--- a/Apresentação/ARIT-MAT-Fase-2.pptx
+++ b/Apresentação/ARIT-MAT-Fase-2.pptx
@@ -5,7 +5,7 @@
     <p:sldMasterId id="2147483660" r:id="rId1"/>
   </p:sldMasterIdLst>
   <p:notesMasterIdLst>
-    <p:notesMasterId r:id="rId10"/>
+    <p:notesMasterId r:id="rId16"/>
   </p:notesMasterIdLst>
   <p:sldIdLst>
     <p:sldId id="256" r:id="rId2"/>
@@ -14,8 +14,14 @@
     <p:sldId id="268" r:id="rId5"/>
     <p:sldId id="269" r:id="rId6"/>
     <p:sldId id="270" r:id="rId7"/>
-    <p:sldId id="273" r:id="rId8"/>
-    <p:sldId id="266" r:id="rId9"/>
+    <p:sldId id="275" r:id="rId8"/>
+    <p:sldId id="279" r:id="rId9"/>
+    <p:sldId id="276" r:id="rId10"/>
+    <p:sldId id="277" r:id="rId11"/>
+    <p:sldId id="280" r:id="rId12"/>
+    <p:sldId id="278" r:id="rId13"/>
+    <p:sldId id="273" r:id="rId14"/>
+    <p:sldId id="266" r:id="rId15"/>
   </p:sldIdLst>
   <p:sldSz cx="12192000" cy="6858000"/>
   <p:notesSz cx="6858000" cy="9144000"/>
@@ -570,6 +576,413 @@
 </p:notes>
 </file>
 
+<file path=ppt/notesSlides/notesSlide10.xml><?xml version="1.0" encoding="utf-8"?>
+<p:notes xmlns:a="http://schemas.openxmlformats.org/drawingml/2006/main" xmlns:r="http://schemas.openxmlformats.org/officeDocument/2006/relationships" xmlns:p="http://schemas.openxmlformats.org/presentationml/2006/main">
+  <p:cSld>
+    <p:spTree>
+      <p:nvGrpSpPr>
+        <p:cNvPr id="1" name=""/>
+        <p:cNvGrpSpPr/>
+        <p:nvPr/>
+      </p:nvGrpSpPr>
+      <p:grpSpPr>
+        <a:xfrm>
+          <a:off x="0" y="0"/>
+          <a:ext cx="0" cy="0"/>
+          <a:chOff x="0" y="0"/>
+          <a:chExt cx="0" cy="0"/>
+        </a:xfrm>
+      </p:grpSpPr>
+      <p:sp>
+        <p:nvSpPr>
+          <p:cNvPr id="2" name="Espaço Reservado para Imagem de Slide 1"/>
+          <p:cNvSpPr>
+            <a:spLocks noGrp="1" noRot="1" noChangeAspect="1"/>
+          </p:cNvSpPr>
+          <p:nvPr>
+            <p:ph type="sldImg"/>
+          </p:nvPr>
+        </p:nvSpPr>
+        <p:spPr/>
+      </p:sp>
+      <p:sp>
+        <p:nvSpPr>
+          <p:cNvPr id="3" name="Espaço Reservado para Anotações 2"/>
+          <p:cNvSpPr>
+            <a:spLocks noGrp="1"/>
+          </p:cNvSpPr>
+          <p:nvPr>
+            <p:ph type="body" idx="1"/>
+          </p:nvPr>
+        </p:nvSpPr>
+        <p:spPr/>
+        <p:txBody>
+          <a:bodyPr/>
+          <a:lstStyle/>
+          <a:p>
+            <a:r>
+              <a:rPr lang="pt-PT" baseline="0" dirty="0" smtClean="0"/>
+              <a:t>Foi também construído, como já foi referido, o modelo concetual e lógico, apenas apresentaremos o lógico que derivamos do concetual.</a:t>
+            </a:r>
+          </a:p>
+          <a:p>
+            <a:endParaRPr lang="pt-PT" baseline="0" dirty="0" smtClean="0"/>
+          </a:p>
+        </p:txBody>
+      </p:sp>
+      <p:sp>
+        <p:nvSpPr>
+          <p:cNvPr id="4" name="Espaço Reservado para Número de Slide 3"/>
+          <p:cNvSpPr>
+            <a:spLocks noGrp="1"/>
+          </p:cNvSpPr>
+          <p:nvPr>
+            <p:ph type="sldNum" sz="quarter" idx="10"/>
+          </p:nvPr>
+        </p:nvSpPr>
+        <p:spPr/>
+        <p:txBody>
+          <a:bodyPr/>
+          <a:lstStyle/>
+          <a:p>
+            <a:fld id="{B1A75EE4-BF34-4748-90F2-2EA9573BBF4F}" type="slidenum">
+              <a:rPr lang="pt-PT" smtClean="0"/>
+              <a:t>11</a:t>
+            </a:fld>
+            <a:endParaRPr lang="pt-PT"/>
+          </a:p>
+        </p:txBody>
+      </p:sp>
+    </p:spTree>
+    <p:extLst>
+      <p:ext uri="{BB962C8B-B14F-4D97-AF65-F5344CB8AC3E}">
+        <p14:creationId xmlns:p14="http://schemas.microsoft.com/office/powerpoint/2010/main" val="3592413033"/>
+      </p:ext>
+    </p:extLst>
+  </p:cSld>
+  <p:clrMapOvr>
+    <a:masterClrMapping/>
+  </p:clrMapOvr>
+</p:notes>
+</file>
+
+<file path=ppt/notesSlides/notesSlide11.xml><?xml version="1.0" encoding="utf-8"?>
+<p:notes xmlns:a="http://schemas.openxmlformats.org/drawingml/2006/main" xmlns:r="http://schemas.openxmlformats.org/officeDocument/2006/relationships" xmlns:p="http://schemas.openxmlformats.org/presentationml/2006/main">
+  <p:cSld>
+    <p:spTree>
+      <p:nvGrpSpPr>
+        <p:cNvPr id="1" name=""/>
+        <p:cNvGrpSpPr/>
+        <p:nvPr/>
+      </p:nvGrpSpPr>
+      <p:grpSpPr>
+        <a:xfrm>
+          <a:off x="0" y="0"/>
+          <a:ext cx="0" cy="0"/>
+          <a:chOff x="0" y="0"/>
+          <a:chExt cx="0" cy="0"/>
+        </a:xfrm>
+      </p:grpSpPr>
+      <p:sp>
+        <p:nvSpPr>
+          <p:cNvPr id="2" name="Espaço Reservado para Imagem de Slide 1"/>
+          <p:cNvSpPr>
+            <a:spLocks noGrp="1" noRot="1" noChangeAspect="1"/>
+          </p:cNvSpPr>
+          <p:nvPr>
+            <p:ph type="sldImg"/>
+          </p:nvPr>
+        </p:nvSpPr>
+        <p:spPr/>
+      </p:sp>
+      <p:sp>
+        <p:nvSpPr>
+          <p:cNvPr id="3" name="Espaço Reservado para Anotações 2"/>
+          <p:cNvSpPr>
+            <a:spLocks noGrp="1"/>
+          </p:cNvSpPr>
+          <p:nvPr>
+            <p:ph type="body" idx="1"/>
+          </p:nvPr>
+        </p:nvSpPr>
+        <p:spPr/>
+        <p:txBody>
+          <a:bodyPr/>
+          <a:lstStyle/>
+          <a:p>
+            <a:r>
+              <a:rPr lang="pt-PT" baseline="0" dirty="0" smtClean="0"/>
+              <a:t>Estas tabelas são originadas pela necessidade de armazenamento e manipulação de informação sobre exercícios, lições, alunos, </a:t>
+            </a:r>
+            <a:r>
+              <a:rPr lang="pt-PT" baseline="0" dirty="0" err="1" smtClean="0"/>
+              <a:t>etc</a:t>
+            </a:r>
+            <a:r>
+              <a:rPr lang="pt-PT" baseline="0" dirty="0" smtClean="0"/>
+              <a:t> e foram retiradas diretamente dos requisitos identificados, as restantes derivam da necessidade de suportar um modelo de ensino, por ex. Dicas, e manter um histórico sobre as atividades do aluno no sistema, por ex. </a:t>
+            </a:r>
+            <a:r>
+              <a:rPr lang="pt-PT" baseline="0" dirty="0" err="1" smtClean="0"/>
+              <a:t>AlunoExercioLicao</a:t>
+            </a:r>
+            <a:r>
+              <a:rPr lang="pt-PT" baseline="0" dirty="0" smtClean="0"/>
+              <a:t>.</a:t>
+            </a:r>
+          </a:p>
+          <a:p>
+            <a:r>
+              <a:rPr lang="pt-PT" baseline="0" dirty="0" smtClean="0"/>
+              <a:t>Tal como referimos anteriormente, uma lição “real” corresponde, no sistema, a várias sessões/lições que em conjunto formam a dita lição real. BONECO!!!!</a:t>
+            </a:r>
+          </a:p>
+          <a:p>
+            <a:endParaRPr lang="pt-PT" baseline="0" dirty="0" smtClean="0"/>
+          </a:p>
+          <a:p>
+            <a:endParaRPr lang="pt-PT" baseline="0" dirty="0" smtClean="0"/>
+          </a:p>
+        </p:txBody>
+      </p:sp>
+      <p:sp>
+        <p:nvSpPr>
+          <p:cNvPr id="4" name="Espaço Reservado para Número de Slide 3"/>
+          <p:cNvSpPr>
+            <a:spLocks noGrp="1"/>
+          </p:cNvSpPr>
+          <p:nvPr>
+            <p:ph type="sldNum" sz="quarter" idx="10"/>
+          </p:nvPr>
+        </p:nvSpPr>
+        <p:spPr/>
+        <p:txBody>
+          <a:bodyPr/>
+          <a:lstStyle/>
+          <a:p>
+            <a:fld id="{B1A75EE4-BF34-4748-90F2-2EA9573BBF4F}" type="slidenum">
+              <a:rPr lang="pt-PT" smtClean="0"/>
+              <a:t>12</a:t>
+            </a:fld>
+            <a:endParaRPr lang="pt-PT"/>
+          </a:p>
+        </p:txBody>
+      </p:sp>
+    </p:spTree>
+    <p:extLst>
+      <p:ext uri="{BB962C8B-B14F-4D97-AF65-F5344CB8AC3E}">
+        <p14:creationId xmlns:p14="http://schemas.microsoft.com/office/powerpoint/2010/main" val="534095526"/>
+      </p:ext>
+    </p:extLst>
+  </p:cSld>
+  <p:clrMapOvr>
+    <a:masterClrMapping/>
+  </p:clrMapOvr>
+</p:notes>
+</file>
+
+<file path=ppt/notesSlides/notesSlide12.xml><?xml version="1.0" encoding="utf-8"?>
+<p:notes xmlns:a="http://schemas.openxmlformats.org/drawingml/2006/main" xmlns:r="http://schemas.openxmlformats.org/officeDocument/2006/relationships" xmlns:p="http://schemas.openxmlformats.org/presentationml/2006/main">
+  <p:cSld>
+    <p:spTree>
+      <p:nvGrpSpPr>
+        <p:cNvPr id="1" name=""/>
+        <p:cNvGrpSpPr/>
+        <p:nvPr/>
+      </p:nvGrpSpPr>
+      <p:grpSpPr>
+        <a:xfrm>
+          <a:off x="0" y="0"/>
+          <a:ext cx="0" cy="0"/>
+          <a:chOff x="0" y="0"/>
+          <a:chExt cx="0" cy="0"/>
+        </a:xfrm>
+      </p:grpSpPr>
+      <p:sp>
+        <p:nvSpPr>
+          <p:cNvPr id="2" name="Espaço Reservado para Imagem de Slide 1"/>
+          <p:cNvSpPr>
+            <a:spLocks noGrp="1" noRot="1" noChangeAspect="1"/>
+          </p:cNvSpPr>
+          <p:nvPr>
+            <p:ph type="sldImg"/>
+          </p:nvPr>
+        </p:nvSpPr>
+        <p:spPr/>
+      </p:sp>
+      <p:sp>
+        <p:nvSpPr>
+          <p:cNvPr id="3" name="Espaço Reservado para Anotações 2"/>
+          <p:cNvSpPr>
+            <a:spLocks noGrp="1"/>
+          </p:cNvSpPr>
+          <p:nvPr>
+            <p:ph type="body" idx="1"/>
+          </p:nvPr>
+        </p:nvSpPr>
+        <p:spPr/>
+        <p:txBody>
+          <a:bodyPr/>
+          <a:lstStyle/>
+          <a:p>
+            <a:pPr marL="0" marR="0" indent="0" algn="l" defTabSz="914400" rtl="0" eaLnBrk="1" fontAlgn="auto" latinLnBrk="0" hangingPunct="1">
+              <a:lnSpc>
+                <a:spcPct val="100000"/>
+              </a:lnSpc>
+              <a:spcBef>
+                <a:spcPts val="0"/>
+              </a:spcBef>
+              <a:spcAft>
+                <a:spcPts val="0"/>
+              </a:spcAft>
+              <a:buClrTx/>
+              <a:buSzTx/>
+              <a:buFontTx/>
+              <a:buNone/>
+              <a:tabLst/>
+              <a:defRPr/>
+            </a:pPr>
+            <a:r>
+              <a:rPr lang="pt-PT" dirty="0" smtClean="0"/>
+              <a:t>Nesta fase não foram realizados determinados aspetos que tinham sido estipulados no diagrama de </a:t>
+            </a:r>
+            <a:r>
+              <a:rPr lang="pt-PT" dirty="0" err="1" smtClean="0"/>
+              <a:t>Gantt</a:t>
+            </a:r>
+            <a:r>
+              <a:rPr lang="pt-PT" dirty="0" smtClean="0"/>
+              <a:t> como é o caso dos diagramas de package e a modelação de interface porque não se achou necessário e,</a:t>
+            </a:r>
+            <a:r>
+              <a:rPr lang="pt-PT" baseline="0" dirty="0" smtClean="0"/>
+              <a:t> dado ao curto espaço de tempo foi preciso racionalizar o tempo pelos aspetos que se acharam de maior importância. No caso da interface houve ainda influência na falta de domínio das ferramentas necessárias e ainda na implementação da mesma.</a:t>
+            </a:r>
+          </a:p>
+          <a:p>
+            <a:pPr marL="0" marR="0" indent="0" algn="l" defTabSz="914400" rtl="0" eaLnBrk="1" fontAlgn="auto" latinLnBrk="0" hangingPunct="1">
+              <a:lnSpc>
+                <a:spcPct val="100000"/>
+              </a:lnSpc>
+              <a:spcBef>
+                <a:spcPts val="0"/>
+              </a:spcBef>
+              <a:spcAft>
+                <a:spcPts val="0"/>
+              </a:spcAft>
+              <a:buClrTx/>
+              <a:buSzTx/>
+              <a:buFontTx/>
+              <a:buNone/>
+              <a:tabLst/>
+              <a:defRPr/>
+            </a:pPr>
+            <a:r>
+              <a:rPr lang="pt-PT" baseline="0" dirty="0" smtClean="0"/>
+              <a:t>Também é importante mencionar a redefinição de alguns objetivos que na primeira fase tinham sido estipulados, como é o caso da existência de um utilizador do tipo professor, isto deveu-se mais uma vez à tentativa de racionalizar, face ao tempo disponível para o projeto, as funcionalidades pretendidas. </a:t>
+            </a:r>
+          </a:p>
+          <a:p>
+            <a:pPr marL="0" marR="0" indent="0" algn="l" defTabSz="914400" rtl="0" eaLnBrk="1" fontAlgn="auto" latinLnBrk="0" hangingPunct="1">
+              <a:lnSpc>
+                <a:spcPct val="100000"/>
+              </a:lnSpc>
+              <a:spcBef>
+                <a:spcPts val="0"/>
+              </a:spcBef>
+              <a:spcAft>
+                <a:spcPts val="0"/>
+              </a:spcAft>
+              <a:buClrTx/>
+              <a:buSzTx/>
+              <a:buFontTx/>
+              <a:buNone/>
+              <a:tabLst/>
+              <a:defRPr/>
+            </a:pPr>
+            <a:r>
+              <a:rPr lang="pt-PT" baseline="0" dirty="0" smtClean="0"/>
+              <a:t>   </a:t>
+            </a:r>
+          </a:p>
+          <a:p>
+            <a:pPr marL="0" marR="0" indent="0" algn="l" defTabSz="914400" rtl="0" eaLnBrk="1" fontAlgn="auto" latinLnBrk="0" hangingPunct="1">
+              <a:lnSpc>
+                <a:spcPct val="100000"/>
+              </a:lnSpc>
+              <a:spcBef>
+                <a:spcPts val="0"/>
+              </a:spcBef>
+              <a:spcAft>
+                <a:spcPts val="0"/>
+              </a:spcAft>
+              <a:buClrTx/>
+              <a:buSzTx/>
+              <a:buFontTx/>
+              <a:buNone/>
+              <a:tabLst/>
+              <a:defRPr/>
+            </a:pPr>
+            <a:endParaRPr lang="pt-PT" dirty="0" smtClean="0"/>
+          </a:p>
+          <a:p>
+            <a:pPr marL="0" marR="0" indent="0" algn="l" defTabSz="914400" rtl="0" eaLnBrk="1" fontAlgn="auto" latinLnBrk="0" hangingPunct="1">
+              <a:lnSpc>
+                <a:spcPct val="100000"/>
+              </a:lnSpc>
+              <a:spcBef>
+                <a:spcPts val="0"/>
+              </a:spcBef>
+              <a:spcAft>
+                <a:spcPts val="0"/>
+              </a:spcAft>
+              <a:buClrTx/>
+              <a:buSzTx/>
+              <a:buFontTx/>
+              <a:buNone/>
+              <a:tabLst/>
+              <a:defRPr/>
+            </a:pPr>
+            <a:endParaRPr lang="pt-PT" dirty="0"/>
+          </a:p>
+        </p:txBody>
+      </p:sp>
+      <p:sp>
+        <p:nvSpPr>
+          <p:cNvPr id="4" name="Espaço Reservado para Número de Slide 3"/>
+          <p:cNvSpPr>
+            <a:spLocks noGrp="1"/>
+          </p:cNvSpPr>
+          <p:nvPr>
+            <p:ph type="sldNum" sz="quarter" idx="10"/>
+          </p:nvPr>
+        </p:nvSpPr>
+        <p:spPr/>
+        <p:txBody>
+          <a:bodyPr/>
+          <a:lstStyle/>
+          <a:p>
+            <a:fld id="{B1A75EE4-BF34-4748-90F2-2EA9573BBF4F}" type="slidenum">
+              <a:rPr lang="pt-PT" smtClean="0"/>
+              <a:t>13</a:t>
+            </a:fld>
+            <a:endParaRPr lang="pt-PT"/>
+          </a:p>
+        </p:txBody>
+      </p:sp>
+    </p:spTree>
+    <p:extLst>
+      <p:ext uri="{BB962C8B-B14F-4D97-AF65-F5344CB8AC3E}">
+        <p14:creationId xmlns:p14="http://schemas.microsoft.com/office/powerpoint/2010/main" val="3525061599"/>
+      </p:ext>
+    </p:extLst>
+  </p:cSld>
+  <p:clrMapOvr>
+    <a:masterClrMapping/>
+  </p:clrMapOvr>
+</p:notes>
+</file>
+
 <file path=ppt/notesSlides/notesSlide2.xml><?xml version="1.0" encoding="utf-8"?>
 <p:notes xmlns:a="http://schemas.openxmlformats.org/drawingml/2006/main" xmlns:r="http://schemas.openxmlformats.org/officeDocument/2006/relationships" xmlns:p="http://schemas.openxmlformats.org/presentationml/2006/main">
   <p:cSld>
@@ -630,7 +1043,6 @@
               <a:rPr lang="pt-PT" baseline="0" dirty="0" smtClean="0"/>
               <a:t>Finalmente, como consequência a estes requisitos foi especificada e modelada a aplicação que pretendemos construir.</a:t>
             </a:r>
-            <a:endParaRPr lang="pt-PT" baseline="0" dirty="0" smtClean="0"/>
           </a:p>
         </p:txBody>
       </p:sp>
@@ -768,7 +1180,6 @@
               <a:rPr lang="pt-PT" baseline="0" dirty="0" smtClean="0"/>
               <a:t>Após a análise conclui-se então levar a cabo o desenvolvimento deste produto de software.</a:t>
             </a:r>
-            <a:endParaRPr lang="pt-PT" baseline="0" dirty="0" smtClean="0"/>
           </a:p>
         </p:txBody>
       </p:sp>
@@ -852,6 +1263,20 @@
           <a:bodyPr/>
           <a:lstStyle/>
           <a:p>
+            <a:r>
+              <a:rPr lang="pt-PT" dirty="0" smtClean="0"/>
+              <a:t>Por</a:t>
+            </a:r>
+            <a:r>
+              <a:rPr lang="pt-PT" baseline="0" dirty="0" smtClean="0"/>
+              <a:t> forma a estruturar todos os aspetos que terão de ser desenvolvidos foi necessário em primeiro lugar identificar quais os requisitos da aplicação.</a:t>
+            </a:r>
+          </a:p>
+          <a:p>
+            <a:r>
+              <a:rPr lang="pt-PT" baseline="0" dirty="0" smtClean="0"/>
+              <a:t>Dos requisitos identificados temos requisitos funcionais e não funcionais, dada a sua extensividade apenas apresentamos alguns dos requisitos que se consideram de maior importância.</a:t>
+            </a:r>
             <a:endParaRPr lang="pt-PT" dirty="0"/>
           </a:p>
         </p:txBody>
@@ -936,6 +1361,28 @@
           <a:bodyPr/>
           <a:lstStyle/>
           <a:p>
+            <a:r>
+              <a:rPr lang="pt-PT" baseline="0" dirty="0" smtClean="0"/>
+              <a:t>Tendo em conta os requisitos levantados foram construídos os modelos necessários para a especificação da aplicação.</a:t>
+            </a:r>
+          </a:p>
+          <a:p>
+            <a:r>
+              <a:rPr lang="pt-PT" baseline="0" dirty="0" smtClean="0"/>
+              <a:t>Em termos arquiteturais foi construído o modelo de domínio, os modelos de caso de uso, os diagramas de sequência e os diagramas de atividade. Destes apenas iremos abordar o de domínio, uma especificação de um caso de uso e um diagrama de atividade.</a:t>
+            </a:r>
+          </a:p>
+          <a:p>
+            <a:r>
+              <a:rPr lang="pt-PT" baseline="0" dirty="0" smtClean="0"/>
+              <a:t>Para a modelação de componentes foi construído o diagrama de classes que não será apresentado.</a:t>
+            </a:r>
+          </a:p>
+          <a:p>
+            <a:r>
+              <a:rPr lang="pt-PT" baseline="0" dirty="0" smtClean="0"/>
+              <a:t>Finalmente em termos de dados foi construído o modelo concetual e lógico, apenas falaremos do lógico.</a:t>
+            </a:r>
             <a:endParaRPr lang="pt-PT" baseline="0" dirty="0" smtClean="0"/>
           </a:p>
         </p:txBody>
@@ -1020,24 +1467,13 @@
           <a:bodyPr/>
           <a:lstStyle/>
           <a:p>
-            <a:pPr marL="0" marR="0" indent="0" algn="l" defTabSz="914400" rtl="0" eaLnBrk="1" fontAlgn="auto" latinLnBrk="0" hangingPunct="1">
-              <a:lnSpc>
-                <a:spcPct val="100000"/>
-              </a:lnSpc>
-              <a:spcBef>
-                <a:spcPts val="0"/>
-              </a:spcBef>
-              <a:spcAft>
-                <a:spcPts val="0"/>
-              </a:spcAft>
-              <a:buClrTx/>
-              <a:buSzTx/>
-              <a:buFontTx/>
-              <a:buNone/>
-              <a:tabLst/>
-              <a:defRPr/>
-            </a:pPr>
-            <a:endParaRPr lang="pt-PT" dirty="0"/>
+            <a:r>
+              <a:rPr lang="pt-PT" baseline="0" dirty="0" smtClean="0"/>
+              <a:t>Para além do suporte às entidades envolvidas (lições ,exercícios, alunos, testes,…) é de notar que este modelo suporta o modelo de ensino que se pretende implementar, ou seja, existem estatísticas, registo de aprendizagem em função do tipo e lição, é possível armazenar histórico sobre as atividades do aluno, cada histórico relacionado com um exercício de um teste ou lição terá uma pontuação e uma data, etc.</a:t>
+            </a:r>
+          </a:p>
+          <a:p>
+            <a:endParaRPr lang="pt-PT" baseline="0" dirty="0" smtClean="0"/>
           </a:p>
         </p:txBody>
       </p:sp>
@@ -1067,7 +1503,299 @@
     </p:spTree>
     <p:extLst>
       <p:ext uri="{BB962C8B-B14F-4D97-AF65-F5344CB8AC3E}">
-        <p14:creationId xmlns:p14="http://schemas.microsoft.com/office/powerpoint/2010/main" val="3525061599"/>
+        <p14:creationId xmlns:p14="http://schemas.microsoft.com/office/powerpoint/2010/main" val="3860354642"/>
+      </p:ext>
+    </p:extLst>
+  </p:cSld>
+  <p:clrMapOvr>
+    <a:masterClrMapping/>
+  </p:clrMapOvr>
+</p:notes>
+</file>
+
+<file path=ppt/notesSlides/notesSlide7.xml><?xml version="1.0" encoding="utf-8"?>
+<p:notes xmlns:a="http://schemas.openxmlformats.org/drawingml/2006/main" xmlns:r="http://schemas.openxmlformats.org/officeDocument/2006/relationships" xmlns:p="http://schemas.openxmlformats.org/presentationml/2006/main">
+  <p:cSld>
+    <p:spTree>
+      <p:nvGrpSpPr>
+        <p:cNvPr id="1" name=""/>
+        <p:cNvGrpSpPr/>
+        <p:nvPr/>
+      </p:nvGrpSpPr>
+      <p:grpSpPr>
+        <a:xfrm>
+          <a:off x="0" y="0"/>
+          <a:ext cx="0" cy="0"/>
+          <a:chOff x="0" y="0"/>
+          <a:chExt cx="0" cy="0"/>
+        </a:xfrm>
+      </p:grpSpPr>
+      <p:sp>
+        <p:nvSpPr>
+          <p:cNvPr id="2" name="Espaço Reservado para Imagem de Slide 1"/>
+          <p:cNvSpPr>
+            <a:spLocks noGrp="1" noRot="1" noChangeAspect="1"/>
+          </p:cNvSpPr>
+          <p:nvPr>
+            <p:ph type="sldImg"/>
+          </p:nvPr>
+        </p:nvSpPr>
+        <p:spPr/>
+      </p:sp>
+      <p:sp>
+        <p:nvSpPr>
+          <p:cNvPr id="3" name="Espaço Reservado para Anotações 2"/>
+          <p:cNvSpPr>
+            <a:spLocks noGrp="1"/>
+          </p:cNvSpPr>
+          <p:nvPr>
+            <p:ph type="body" idx="1"/>
+          </p:nvPr>
+        </p:nvSpPr>
+        <p:spPr/>
+        <p:txBody>
+          <a:bodyPr/>
+          <a:lstStyle/>
+          <a:p>
+            <a:r>
+              <a:rPr lang="pt-PT" baseline="0" dirty="0" smtClean="0"/>
+              <a:t>Existe então um diagrama geral com o habitual login, </a:t>
+            </a:r>
+            <a:r>
+              <a:rPr lang="pt-PT" baseline="0" dirty="0" err="1" smtClean="0"/>
+              <a:t>logout</a:t>
+            </a:r>
+            <a:r>
+              <a:rPr lang="pt-PT" baseline="0" dirty="0" smtClean="0"/>
+              <a:t>, registar, gestão de utilizador e consultas à informação.</a:t>
+            </a:r>
+          </a:p>
+          <a:p>
+            <a:r>
+              <a:rPr lang="pt-PT" baseline="0" dirty="0" smtClean="0"/>
+              <a:t>É depois apresentado o digrama de aprendizagem com todas as ações que um aluno pode efetuar neste âmbito.</a:t>
+            </a:r>
+          </a:p>
+          <a:p>
+            <a:r>
+              <a:rPr lang="pt-PT" baseline="0" dirty="0" smtClean="0"/>
+              <a:t>É importante que se explique, que se decidiu que uma lição real com o objetivo de ensinar determinado assunto, é representada no sistema por várias lições/sessões, mais à frente no modelo lógico abordaremos e explicaremos melhor esta questão.</a:t>
+            </a:r>
+            <a:endParaRPr lang="pt-PT" baseline="0" dirty="0" smtClean="0"/>
+          </a:p>
+        </p:txBody>
+      </p:sp>
+      <p:sp>
+        <p:nvSpPr>
+          <p:cNvPr id="4" name="Espaço Reservado para Número de Slide 3"/>
+          <p:cNvSpPr>
+            <a:spLocks noGrp="1"/>
+          </p:cNvSpPr>
+          <p:nvPr>
+            <p:ph type="sldNum" sz="quarter" idx="10"/>
+          </p:nvPr>
+        </p:nvSpPr>
+        <p:spPr/>
+        <p:txBody>
+          <a:bodyPr/>
+          <a:lstStyle/>
+          <a:p>
+            <a:fld id="{B1A75EE4-BF34-4748-90F2-2EA9573BBF4F}" type="slidenum">
+              <a:rPr lang="pt-PT" smtClean="0"/>
+              <a:t>8</a:t>
+            </a:fld>
+            <a:endParaRPr lang="pt-PT"/>
+          </a:p>
+        </p:txBody>
+      </p:sp>
+    </p:spTree>
+    <p:extLst>
+      <p:ext uri="{BB962C8B-B14F-4D97-AF65-F5344CB8AC3E}">
+        <p14:creationId xmlns:p14="http://schemas.microsoft.com/office/powerpoint/2010/main" val="3623152706"/>
+      </p:ext>
+    </p:extLst>
+  </p:cSld>
+  <p:clrMapOvr>
+    <a:masterClrMapping/>
+  </p:clrMapOvr>
+</p:notes>
+</file>
+
+<file path=ppt/notesSlides/notesSlide8.xml><?xml version="1.0" encoding="utf-8"?>
+<p:notes xmlns:a="http://schemas.openxmlformats.org/drawingml/2006/main" xmlns:r="http://schemas.openxmlformats.org/officeDocument/2006/relationships" xmlns:p="http://schemas.openxmlformats.org/presentationml/2006/main">
+  <p:cSld>
+    <p:spTree>
+      <p:nvGrpSpPr>
+        <p:cNvPr id="1" name=""/>
+        <p:cNvGrpSpPr/>
+        <p:nvPr/>
+      </p:nvGrpSpPr>
+      <p:grpSpPr>
+        <a:xfrm>
+          <a:off x="0" y="0"/>
+          <a:ext cx="0" cy="0"/>
+          <a:chOff x="0" y="0"/>
+          <a:chExt cx="0" cy="0"/>
+        </a:xfrm>
+      </p:grpSpPr>
+      <p:sp>
+        <p:nvSpPr>
+          <p:cNvPr id="2" name="Espaço Reservado para Imagem de Slide 1"/>
+          <p:cNvSpPr>
+            <a:spLocks noGrp="1" noRot="1" noChangeAspect="1"/>
+          </p:cNvSpPr>
+          <p:nvPr>
+            <p:ph type="sldImg"/>
+          </p:nvPr>
+        </p:nvSpPr>
+        <p:spPr/>
+      </p:sp>
+      <p:sp>
+        <p:nvSpPr>
+          <p:cNvPr id="3" name="Espaço Reservado para Anotações 2"/>
+          <p:cNvSpPr>
+            <a:spLocks noGrp="1"/>
+          </p:cNvSpPr>
+          <p:nvPr>
+            <p:ph type="body" idx="1"/>
+          </p:nvPr>
+        </p:nvSpPr>
+        <p:spPr/>
+        <p:txBody>
+          <a:bodyPr/>
+          <a:lstStyle/>
+          <a:p>
+            <a:r>
+              <a:rPr lang="pt-PT" baseline="0" dirty="0" smtClean="0"/>
+              <a:t>Aqui é apresentada a especificação do caso de uso de realizar exercício, o comportamento normal será então o aluno realizar um exercício corretamente, como se pode observar existe uma exceção quando já não existem exercícios disponíveis, e ainda 4 comportamentos alternativos que correspondem ao pedido de dica num exercício, e as últimas 3 a errar o exercício, sendo que, dada a implementação do modelo de ensino errar o exercício origina 3 alternativas. Consoante o número de respostas erradas naquele tipo de exercícios é estabelecido um “caminho”. Por exemplo, quando o número de respostas erradas é superior a um máximo (estabelecido por 50% dos exercícios deste tipo) é recomendado ao aluno regressar à lição anterior.</a:t>
+            </a:r>
+            <a:endParaRPr lang="pt-PT" baseline="0" dirty="0" smtClean="0"/>
+          </a:p>
+        </p:txBody>
+      </p:sp>
+      <p:sp>
+        <p:nvSpPr>
+          <p:cNvPr id="4" name="Espaço Reservado para Número de Slide 3"/>
+          <p:cNvSpPr>
+            <a:spLocks noGrp="1"/>
+          </p:cNvSpPr>
+          <p:nvPr>
+            <p:ph type="sldNum" sz="quarter" idx="10"/>
+          </p:nvPr>
+        </p:nvSpPr>
+        <p:spPr/>
+        <p:txBody>
+          <a:bodyPr/>
+          <a:lstStyle/>
+          <a:p>
+            <a:fld id="{B1A75EE4-BF34-4748-90F2-2EA9573BBF4F}" type="slidenum">
+              <a:rPr lang="pt-PT" smtClean="0"/>
+              <a:t>9</a:t>
+            </a:fld>
+            <a:endParaRPr lang="pt-PT"/>
+          </a:p>
+        </p:txBody>
+      </p:sp>
+    </p:spTree>
+    <p:extLst>
+      <p:ext uri="{BB962C8B-B14F-4D97-AF65-F5344CB8AC3E}">
+        <p14:creationId xmlns:p14="http://schemas.microsoft.com/office/powerpoint/2010/main" val="192543308"/>
+      </p:ext>
+    </p:extLst>
+  </p:cSld>
+  <p:clrMapOvr>
+    <a:masterClrMapping/>
+  </p:clrMapOvr>
+</p:notes>
+</file>
+
+<file path=ppt/notesSlides/notesSlide9.xml><?xml version="1.0" encoding="utf-8"?>
+<p:notes xmlns:a="http://schemas.openxmlformats.org/drawingml/2006/main" xmlns:r="http://schemas.openxmlformats.org/officeDocument/2006/relationships" xmlns:p="http://schemas.openxmlformats.org/presentationml/2006/main">
+  <p:cSld>
+    <p:spTree>
+      <p:nvGrpSpPr>
+        <p:cNvPr id="1" name=""/>
+        <p:cNvGrpSpPr/>
+        <p:nvPr/>
+      </p:nvGrpSpPr>
+      <p:grpSpPr>
+        <a:xfrm>
+          <a:off x="0" y="0"/>
+          <a:ext cx="0" cy="0"/>
+          <a:chOff x="0" y="0"/>
+          <a:chExt cx="0" cy="0"/>
+        </a:xfrm>
+      </p:grpSpPr>
+      <p:sp>
+        <p:nvSpPr>
+          <p:cNvPr id="2" name="Espaço Reservado para Imagem de Slide 1"/>
+          <p:cNvSpPr>
+            <a:spLocks noGrp="1" noRot="1" noChangeAspect="1"/>
+          </p:cNvSpPr>
+          <p:nvPr>
+            <p:ph type="sldImg"/>
+          </p:nvPr>
+        </p:nvSpPr>
+        <p:spPr/>
+      </p:sp>
+      <p:sp>
+        <p:nvSpPr>
+          <p:cNvPr id="3" name="Espaço Reservado para Anotações 2"/>
+          <p:cNvSpPr>
+            <a:spLocks noGrp="1"/>
+          </p:cNvSpPr>
+          <p:nvPr>
+            <p:ph type="body" idx="1"/>
+          </p:nvPr>
+        </p:nvSpPr>
+        <p:spPr/>
+        <p:txBody>
+          <a:bodyPr/>
+          <a:lstStyle/>
+          <a:p>
+            <a:r>
+              <a:rPr lang="pt-PT" baseline="0" dirty="0" smtClean="0"/>
+              <a:t>Aqui podemos observar dois dos diagramas de atividades construídos: à esquerda o diagrama de realizar exercício e à direita o de realizar teste.</a:t>
+            </a:r>
+          </a:p>
+          <a:p>
+            <a:r>
+              <a:rPr lang="pt-PT" baseline="0" dirty="0" smtClean="0"/>
+              <a:t>Não existe nada de muito complexo nestes dois diagramas, o mais complexo e também de maior importância dos diagramas que construímos, o diagrama de atividade que modela a aprendizagem do aluno aquando a assistência de uma lição, infelizmente, não foi possível incluir nesta apresentação pois era demasiado extenso e a sua visualização era impossível. </a:t>
+            </a:r>
+          </a:p>
+          <a:p>
+            <a:endParaRPr lang="pt-PT" baseline="0" dirty="0" smtClean="0"/>
+          </a:p>
+        </p:txBody>
+      </p:sp>
+      <p:sp>
+        <p:nvSpPr>
+          <p:cNvPr id="4" name="Espaço Reservado para Número de Slide 3"/>
+          <p:cNvSpPr>
+            <a:spLocks noGrp="1"/>
+          </p:cNvSpPr>
+          <p:nvPr>
+            <p:ph type="sldNum" sz="quarter" idx="10"/>
+          </p:nvPr>
+        </p:nvSpPr>
+        <p:spPr/>
+        <p:txBody>
+          <a:bodyPr/>
+          <a:lstStyle/>
+          <a:p>
+            <a:fld id="{B1A75EE4-BF34-4748-90F2-2EA9573BBF4F}" type="slidenum">
+              <a:rPr lang="pt-PT" smtClean="0"/>
+              <a:t>10</a:t>
+            </a:fld>
+            <a:endParaRPr lang="pt-PT"/>
+          </a:p>
+        </p:txBody>
+      </p:sp>
+    </p:spTree>
+    <p:extLst>
+      <p:ext uri="{BB962C8B-B14F-4D97-AF65-F5344CB8AC3E}">
+        <p14:creationId xmlns:p14="http://schemas.microsoft.com/office/powerpoint/2010/main" val="3613990566"/>
       </p:ext>
     </p:extLst>
   </p:cSld>
@@ -5132,10 +5860,17 @@
   <p:clrMapOvr>
     <a:masterClrMapping/>
   </p:clrMapOvr>
+  <p:timing>
+    <p:tnLst>
+      <p:par>
+        <p:cTn id="1" dur="indefinite" restart="never" nodeType="tmRoot"/>
+      </p:par>
+    </p:tnLst>
+  </p:timing>
 </p:sld>
 </file>
 
-<file path=ppt/slides/slide2.xml><?xml version="1.0" encoding="utf-8"?>
+<file path=ppt/slides/slide10.xml><?xml version="1.0" encoding="utf-8"?>
 <p:sld xmlns:a="http://schemas.openxmlformats.org/drawingml/2006/main" xmlns:r="http://schemas.openxmlformats.org/officeDocument/2006/relationships" xmlns:p="http://schemas.openxmlformats.org/presentationml/2006/main">
   <p:cSld>
     <p:spTree>
@@ -5154,12 +5889,12 @@
       </p:grpSpPr>
       <p:sp>
         <p:nvSpPr>
-          <p:cNvPr id="2" name="Título 1"/>
-          <p:cNvSpPr>
-            <a:spLocks noGrp="1"/>
-          </p:cNvSpPr>
-          <p:nvPr>
-            <p:ph type="title"/>
+          <p:cNvPr id="4" name="Espaço Reservado para Rodapé 3"/>
+          <p:cNvSpPr>
+            <a:spLocks noGrp="1"/>
+          </p:cNvSpPr>
+          <p:nvPr>
+            <p:ph type="ftr" sz="quarter" idx="11"/>
           </p:nvPr>
         </p:nvSpPr>
         <p:spPr/>
@@ -5169,7 +5904,7 @@
           <a:p>
             <a:r>
               <a:rPr lang="pt-PT" dirty="0" smtClean="0"/>
-              <a:t>Índice</a:t>
+              <a:t>Laboratórios de Informática IV, ARIT-MAT</a:t>
             </a:r>
             <a:endParaRPr lang="pt-PT" dirty="0"/>
           </a:p>
@@ -5177,175 +5912,41 @@
       </p:sp>
       <p:sp>
         <p:nvSpPr>
-          <p:cNvPr id="3" name="Espaço Reservado para Conteúdo 2"/>
-          <p:cNvSpPr>
-            <a:spLocks noGrp="1"/>
-          </p:cNvSpPr>
-          <p:nvPr>
-            <p:ph idx="1"/>
-          </p:nvPr>
-        </p:nvSpPr>
-        <p:spPr/>
-        <p:txBody>
-          <a:bodyPr/>
-          <a:lstStyle/>
-          <a:p>
-            <a:pPr lvl="1">
-              <a:buFont typeface="Arial" panose="020B0604020202020204" pitchFamily="34" charset="0"/>
-              <a:buChar char="•"/>
-            </a:pPr>
-            <a:endParaRPr lang="pt-PT" dirty="0" smtClean="0"/>
-          </a:p>
-          <a:p>
-            <a:pPr marL="628650" lvl="1" indent="-361950">
-              <a:spcBef>
-                <a:spcPts val="600"/>
-              </a:spcBef>
-              <a:spcAft>
-                <a:spcPts val="600"/>
-              </a:spcAft>
-              <a:buFont typeface="Arial" panose="020B0604020202020204" pitchFamily="34" charset="0"/>
-              <a:buChar char="•"/>
-            </a:pPr>
-            <a:r>
-              <a:rPr lang="pt-PT" sz="2400" dirty="0" smtClean="0"/>
-              <a:t>Introdução</a:t>
-            </a:r>
-          </a:p>
-          <a:p>
-            <a:pPr marL="628650" lvl="1" indent="-361950">
-              <a:spcBef>
-                <a:spcPts val="600"/>
-              </a:spcBef>
-              <a:spcAft>
-                <a:spcPts val="600"/>
-              </a:spcAft>
-              <a:buFont typeface="Arial" panose="020B0604020202020204" pitchFamily="34" charset="0"/>
-              <a:buChar char="•"/>
-            </a:pPr>
-            <a:r>
-              <a:rPr lang="pt-PT" sz="2400" dirty="0" smtClean="0"/>
-              <a:t>Viabilidade do Projeto</a:t>
-            </a:r>
-            <a:endParaRPr lang="pt-PT" sz="2400" dirty="0" smtClean="0"/>
-          </a:p>
-          <a:p>
-            <a:pPr marL="628650" lvl="1" indent="-361950">
-              <a:spcBef>
-                <a:spcPts val="600"/>
-              </a:spcBef>
-              <a:spcAft>
-                <a:spcPts val="600"/>
-              </a:spcAft>
-              <a:buFont typeface="Arial" panose="020B0604020202020204" pitchFamily="34" charset="0"/>
-              <a:buChar char="•"/>
-            </a:pPr>
-            <a:r>
-              <a:rPr lang="pt-PT" sz="2400" dirty="0" smtClean="0"/>
-              <a:t>Requisitos</a:t>
-            </a:r>
-            <a:endParaRPr lang="pt-PT" sz="2400" dirty="0" smtClean="0"/>
-          </a:p>
-          <a:p>
-            <a:pPr marL="628650" lvl="1" indent="-361950">
-              <a:spcBef>
-                <a:spcPts val="600"/>
-              </a:spcBef>
-              <a:spcAft>
-                <a:spcPts val="600"/>
-              </a:spcAft>
-              <a:buFont typeface="Arial" panose="020B0604020202020204" pitchFamily="34" charset="0"/>
-              <a:buChar char="•"/>
-            </a:pPr>
-            <a:r>
-              <a:rPr lang="pt-PT" sz="2400" dirty="0" smtClean="0"/>
-              <a:t>Modelação</a:t>
-            </a:r>
-            <a:endParaRPr lang="pt-PT" sz="2400" dirty="0" smtClean="0"/>
-          </a:p>
-          <a:p>
-            <a:pPr marL="811530" lvl="2" indent="-361950">
-              <a:spcBef>
-                <a:spcPts val="600"/>
-              </a:spcBef>
-              <a:spcAft>
-                <a:spcPts val="600"/>
-              </a:spcAft>
-              <a:buFont typeface="Arial" panose="020B0604020202020204" pitchFamily="34" charset="0"/>
-              <a:buChar char="•"/>
-            </a:pPr>
-            <a:r>
-              <a:rPr lang="pt-PT" sz="2000" dirty="0" smtClean="0"/>
-              <a:t>Arquitetural – Domínio,  Casos de Uso, Diagramas de Sequência e de Atividade</a:t>
-            </a:r>
-            <a:endParaRPr lang="pt-PT" sz="2000" dirty="0" smtClean="0"/>
-          </a:p>
-          <a:p>
-            <a:pPr marL="811530" lvl="2" indent="-361950">
-              <a:spcBef>
-                <a:spcPts val="600"/>
-              </a:spcBef>
-              <a:spcAft>
-                <a:spcPts val="600"/>
-              </a:spcAft>
-              <a:buFont typeface="Arial" panose="020B0604020202020204" pitchFamily="34" charset="0"/>
-              <a:buChar char="•"/>
-            </a:pPr>
-            <a:r>
-              <a:rPr lang="pt-PT" sz="2000" dirty="0" smtClean="0"/>
-              <a:t>De Componentes – Diagrama de Classes</a:t>
-            </a:r>
-            <a:endParaRPr lang="pt-PT" sz="2000" dirty="0" smtClean="0"/>
-          </a:p>
-          <a:p>
-            <a:pPr marL="811530" lvl="2" indent="-361950">
-              <a:spcBef>
-                <a:spcPts val="600"/>
-              </a:spcBef>
-              <a:spcAft>
-                <a:spcPts val="600"/>
-              </a:spcAft>
-              <a:buFont typeface="Arial" panose="020B0604020202020204" pitchFamily="34" charset="0"/>
-              <a:buChar char="•"/>
-            </a:pPr>
-            <a:r>
-              <a:rPr lang="pt-PT" sz="2000" dirty="0" smtClean="0"/>
-              <a:t>Dados – Conceptual e Lógico</a:t>
-            </a:r>
-          </a:p>
-          <a:p>
-            <a:pPr marL="628650" lvl="1" indent="-361950">
-              <a:spcBef>
-                <a:spcPts val="600"/>
-              </a:spcBef>
-              <a:spcAft>
-                <a:spcPts val="600"/>
-              </a:spcAft>
-              <a:buFont typeface="Arial" panose="020B0604020202020204" pitchFamily="34" charset="0"/>
-              <a:buChar char="•"/>
-            </a:pPr>
-            <a:r>
-              <a:rPr lang="pt-PT" sz="2400" dirty="0" smtClean="0"/>
-              <a:t>Conclusão</a:t>
-            </a:r>
-            <a:endParaRPr lang="pt-PT" sz="2400" dirty="0"/>
-          </a:p>
-        </p:txBody>
-      </p:sp>
-      <p:sp>
-        <p:nvSpPr>
-          <p:cNvPr id="4" name="Espaço Reservado para Rodapé 3"/>
-          <p:cNvSpPr>
-            <a:spLocks noGrp="1"/>
-          </p:cNvSpPr>
-          <p:nvPr>
-            <p:ph type="ftr" sz="quarter" idx="11"/>
+          <p:cNvPr id="5" name="Espaço Reservado para Número de Slide 4"/>
+          <p:cNvSpPr>
+            <a:spLocks noGrp="1"/>
+          </p:cNvSpPr>
+          <p:nvPr>
+            <p:ph type="sldNum" sz="quarter" idx="12"/>
+          </p:nvPr>
+        </p:nvSpPr>
+        <p:spPr/>
+        <p:txBody>
+          <a:bodyPr/>
+          <a:lstStyle/>
+          <a:p>
+            <a:fld id="{F5E7B6B6-7C4F-429D-94CF-F2CBE512B1EE}" type="slidenum">
+              <a:rPr lang="pt-PT" smtClean="0"/>
+              <a:t>10</a:t>
+            </a:fld>
+            <a:endParaRPr lang="pt-PT"/>
+          </a:p>
+        </p:txBody>
+      </p:sp>
+      <p:sp>
+        <p:nvSpPr>
+          <p:cNvPr id="12" name="Título 1"/>
+          <p:cNvSpPr>
+            <a:spLocks noGrp="1"/>
+          </p:cNvSpPr>
+          <p:nvPr>
+            <p:ph type="title" idx="4294967295"/>
           </p:nvPr>
         </p:nvSpPr>
         <p:spPr>
           <a:xfrm>
-            <a:off x="-200015" y="6442570"/>
-            <a:ext cx="4822804" cy="365125"/>
+            <a:off x="841829" y="126569"/>
+            <a:ext cx="10058400" cy="750888"/>
           </a:xfrm>
         </p:spPr>
         <p:txBody>
@@ -5354,39 +5955,118 @@
           <a:p>
             <a:r>
               <a:rPr lang="pt-PT" dirty="0" smtClean="0"/>
-              <a:t>Laboratórios de Informática IV, ARIT-MAT</a:t>
+              <a:t>Diagrama de Atividades</a:t>
             </a:r>
             <a:endParaRPr lang="pt-PT" dirty="0"/>
           </a:p>
         </p:txBody>
       </p:sp>
-      <p:sp>
-        <p:nvSpPr>
-          <p:cNvPr id="5" name="Espaço Reservado para Número de Slide 4"/>
-          <p:cNvSpPr>
-            <a:spLocks noGrp="1"/>
-          </p:cNvSpPr>
-          <p:nvPr>
-            <p:ph type="sldNum" sz="quarter" idx="12"/>
-          </p:nvPr>
-        </p:nvSpPr>
-        <p:spPr/>
-        <p:txBody>
-          <a:bodyPr/>
-          <a:lstStyle/>
-          <a:p>
-            <a:fld id="{F5E7B6B6-7C4F-429D-94CF-F2CBE512B1EE}" type="slidenum">
-              <a:rPr lang="pt-PT" smtClean="0"/>
-              <a:t>2</a:t>
-            </a:fld>
-            <a:endParaRPr lang="pt-PT"/>
+      <p:pic>
+        <p:nvPicPr>
+          <p:cNvPr id="13" name="Imagem 12"/>
+          <p:cNvPicPr/>
+          <p:nvPr/>
+        </p:nvPicPr>
+        <p:blipFill>
+          <a:blip r:embed="rId3"/>
+          <a:stretch>
+            <a:fillRect/>
+          </a:stretch>
+        </p:blipFill>
+        <p:spPr>
+          <a:xfrm>
+            <a:off x="841829" y="877457"/>
+            <a:ext cx="5238750" cy="4476750"/>
+          </a:xfrm>
+          <a:prstGeom prst="rect">
+            <a:avLst/>
+          </a:prstGeom>
+        </p:spPr>
+      </p:pic>
+      <p:pic>
+        <p:nvPicPr>
+          <p:cNvPr id="14" name="Imagem 13"/>
+          <p:cNvPicPr/>
+          <p:nvPr/>
+        </p:nvPicPr>
+        <p:blipFill>
+          <a:blip r:embed="rId4"/>
+          <a:stretch>
+            <a:fillRect/>
+          </a:stretch>
+        </p:blipFill>
+        <p:spPr>
+          <a:xfrm>
+            <a:off x="7637689" y="571387"/>
+            <a:ext cx="3448050" cy="4782820"/>
+          </a:xfrm>
+          <a:prstGeom prst="rect">
+            <a:avLst/>
+          </a:prstGeom>
+        </p:spPr>
+      </p:pic>
+      <p:sp>
+        <p:nvSpPr>
+          <p:cNvPr id="17" name="CaixaDeTexto 16"/>
+          <p:cNvSpPr txBox="1"/>
+          <p:nvPr/>
+        </p:nvSpPr>
+        <p:spPr>
+          <a:xfrm>
+            <a:off x="7637690" y="5354207"/>
+            <a:ext cx="3262540" cy="338554"/>
+          </a:xfrm>
+          <a:prstGeom prst="rect">
+            <a:avLst/>
+          </a:prstGeom>
+          <a:noFill/>
+        </p:spPr>
+        <p:txBody>
+          <a:bodyPr wrap="square" rtlCol="0">
+            <a:spAutoFit/>
+          </a:bodyPr>
+          <a:lstStyle/>
+          <a:p>
+            <a:r>
+              <a:rPr lang="pt-PT" sz="1600" dirty="0" smtClean="0"/>
+              <a:t>Realizar Teste</a:t>
+            </a:r>
+          </a:p>
+        </p:txBody>
+      </p:sp>
+      <p:sp>
+        <p:nvSpPr>
+          <p:cNvPr id="18" name="CaixaDeTexto 17"/>
+          <p:cNvSpPr txBox="1"/>
+          <p:nvPr/>
+        </p:nvSpPr>
+        <p:spPr>
+          <a:xfrm>
+            <a:off x="841828" y="5354207"/>
+            <a:ext cx="4811486" cy="338554"/>
+          </a:xfrm>
+          <a:prstGeom prst="rect">
+            <a:avLst/>
+          </a:prstGeom>
+          <a:noFill/>
+        </p:spPr>
+        <p:txBody>
+          <a:bodyPr wrap="square" rtlCol="0">
+            <a:spAutoFit/>
+          </a:bodyPr>
+          <a:lstStyle/>
+          <a:p>
+            <a:r>
+              <a:rPr lang="pt-PT" sz="1600" dirty="0" smtClean="0"/>
+              <a:t>Realizar Exercício</a:t>
+            </a:r>
           </a:p>
         </p:txBody>
       </p:sp>
     </p:spTree>
     <p:extLst>
       <p:ext uri="{BB962C8B-B14F-4D97-AF65-F5344CB8AC3E}">
-        <p14:creationId xmlns:p14="http://schemas.microsoft.com/office/powerpoint/2010/main" val="1705040496"/>
+        <p14:creationId xmlns:p14="http://schemas.microsoft.com/office/powerpoint/2010/main" val="1655974635"/>
       </p:ext>
     </p:extLst>
   </p:cSld>
@@ -5403,7 +6083,7 @@
 </p:sld>
 </file>
 
-<file path=ppt/slides/slide3.xml><?xml version="1.0" encoding="utf-8"?>
+<file path=ppt/slides/slide11.xml><?xml version="1.0" encoding="utf-8"?>
 <p:sld xmlns:a="http://schemas.openxmlformats.org/drawingml/2006/main" xmlns:r="http://schemas.openxmlformats.org/officeDocument/2006/relationships" xmlns:p="http://schemas.openxmlformats.org/presentationml/2006/main">
   <p:cSld>
     <p:spTree>
@@ -5422,7 +6102,7 @@
       </p:grpSpPr>
       <p:sp>
         <p:nvSpPr>
-          <p:cNvPr id="2" name="Título 1"/>
+          <p:cNvPr id="6" name="Título 5"/>
           <p:cNvSpPr>
             <a:spLocks noGrp="1"/>
           </p:cNvSpPr>
@@ -5437,7 +6117,7 @@
           <a:p>
             <a:r>
               <a:rPr lang="pt-PT" dirty="0" smtClean="0"/>
-              <a:t>Introdução</a:t>
+              <a:t>Modelo Lógico</a:t>
             </a:r>
             <a:endParaRPr lang="pt-PT" dirty="0"/>
           </a:p>
@@ -5445,128 +6125,6 @@
       </p:sp>
       <p:sp>
         <p:nvSpPr>
-          <p:cNvPr id="3" name="Espaço Reservado para Conteúdo 2"/>
-          <p:cNvSpPr>
-            <a:spLocks noGrp="1"/>
-          </p:cNvSpPr>
-          <p:nvPr>
-            <p:ph idx="1"/>
-          </p:nvPr>
-        </p:nvSpPr>
-        <p:spPr/>
-        <p:txBody>
-          <a:bodyPr>
-            <a:normAutofit/>
-          </a:bodyPr>
-          <a:lstStyle/>
-          <a:p>
-            <a:pPr marL="628650" lvl="1" indent="-361950">
-              <a:spcBef>
-                <a:spcPts val="600"/>
-              </a:spcBef>
-              <a:spcAft>
-                <a:spcPts val="600"/>
-              </a:spcAft>
-              <a:buFont typeface="Arial" panose="020B0604020202020204" pitchFamily="34" charset="0"/>
-              <a:buChar char="•"/>
-            </a:pPr>
-            <a:endParaRPr lang="pt-PT" sz="2400" dirty="0" smtClean="0"/>
-          </a:p>
-          <a:p>
-            <a:pPr marL="628650" lvl="1" indent="-361950">
-              <a:spcBef>
-                <a:spcPts val="600"/>
-              </a:spcBef>
-              <a:spcAft>
-                <a:spcPts val="600"/>
-              </a:spcAft>
-              <a:buFont typeface="Arial" panose="020B0604020202020204" pitchFamily="34" charset="0"/>
-              <a:buChar char="•"/>
-            </a:pPr>
-            <a:r>
-              <a:rPr lang="pt-PT" sz="2400" dirty="0" smtClean="0"/>
-              <a:t>Ideia é viável? </a:t>
-            </a:r>
-          </a:p>
-          <a:p>
-            <a:pPr marL="628650" lvl="1" indent="-361950">
-              <a:spcBef>
-                <a:spcPts val="600"/>
-              </a:spcBef>
-              <a:spcAft>
-                <a:spcPts val="600"/>
-              </a:spcAft>
-              <a:buFont typeface="Arial" panose="020B0604020202020204" pitchFamily="34" charset="0"/>
-              <a:buChar char="•"/>
-            </a:pPr>
-            <a:r>
-              <a:rPr lang="pt-PT" sz="2400" dirty="0" smtClean="0"/>
-              <a:t>O que é ao certo neces</a:t>
-            </a:r>
-            <a:r>
-              <a:rPr lang="pt-PT" sz="2400" dirty="0" smtClean="0"/>
-              <a:t>sário e requerido para esta aplicação?</a:t>
-            </a:r>
-          </a:p>
-          <a:p>
-            <a:pPr marL="628650" lvl="1" indent="-361950">
-              <a:spcBef>
-                <a:spcPts val="600"/>
-              </a:spcBef>
-              <a:spcAft>
-                <a:spcPts val="600"/>
-              </a:spcAft>
-              <a:buFont typeface="Arial" panose="020B0604020202020204" pitchFamily="34" charset="0"/>
-              <a:buChar char="•"/>
-            </a:pPr>
-            <a:endParaRPr lang="pt-PT" sz="2400" dirty="0"/>
-          </a:p>
-          <a:p>
-            <a:pPr marL="628650" lvl="1" indent="-361950">
-              <a:spcBef>
-                <a:spcPts val="600"/>
-              </a:spcBef>
-              <a:spcAft>
-                <a:spcPts val="600"/>
-              </a:spcAft>
-              <a:buFont typeface="Arial" panose="020B0604020202020204" pitchFamily="34" charset="0"/>
-              <a:buChar char="•"/>
-            </a:pPr>
-            <a:r>
-              <a:rPr lang="pt-PT" sz="2400" dirty="0" smtClean="0"/>
-              <a:t>Respostas levam à necessidade de especificação do produto e modelação da aplicação.</a:t>
-            </a:r>
-          </a:p>
-          <a:p>
-            <a:pPr marL="628650" lvl="1" indent="-361950">
-              <a:spcBef>
-                <a:spcPts val="600"/>
-              </a:spcBef>
-              <a:spcAft>
-                <a:spcPts val="600"/>
-              </a:spcAft>
-              <a:buFont typeface="Arial" panose="020B0604020202020204" pitchFamily="34" charset="0"/>
-              <a:buChar char="•"/>
-            </a:pPr>
-            <a:endParaRPr lang="pt-PT" sz="2000" dirty="0" smtClean="0"/>
-          </a:p>
-          <a:p>
-            <a:pPr marL="628650" lvl="1" indent="-361950">
-              <a:spcBef>
-                <a:spcPts val="600"/>
-              </a:spcBef>
-              <a:spcAft>
-                <a:spcPts val="600"/>
-              </a:spcAft>
-              <a:buFont typeface="Arial" panose="020B0604020202020204" pitchFamily="34" charset="0"/>
-              <a:buChar char="•"/>
-            </a:pPr>
-            <a:endParaRPr lang="pt-PT" sz="2400" dirty="0"/>
-          </a:p>
-        </p:txBody>
-      </p:sp>
-      <p:sp>
-        <p:nvSpPr>
           <p:cNvPr id="4" name="Espaço Reservado para Rodapé 3"/>
           <p:cNvSpPr>
             <a:spLocks noGrp="1"/>
@@ -5575,12 +6133,7 @@
             <p:ph type="ftr" sz="quarter" idx="11"/>
           </p:nvPr>
         </p:nvSpPr>
-        <p:spPr>
-          <a:xfrm>
-            <a:off x="-200015" y="6442570"/>
-            <a:ext cx="4822804" cy="365125"/>
-          </a:xfrm>
-        </p:spPr>
+        <p:spPr/>
         <p:txBody>
           <a:bodyPr/>
           <a:lstStyle/>
@@ -5610,7 +6163,7 @@
           <a:p>
             <a:fld id="{F5E7B6B6-7C4F-429D-94CF-F2CBE512B1EE}" type="slidenum">
               <a:rPr lang="pt-PT" smtClean="0"/>
-              <a:t>3</a:t>
+              <a:t>11</a:t>
             </a:fld>
             <a:endParaRPr lang="pt-PT"/>
           </a:p>
@@ -5619,7 +6172,7 @@
     </p:spTree>
     <p:extLst>
       <p:ext uri="{BB962C8B-B14F-4D97-AF65-F5344CB8AC3E}">
-        <p14:creationId xmlns:p14="http://schemas.microsoft.com/office/powerpoint/2010/main" val="1836855284"/>
+        <p14:creationId xmlns:p14="http://schemas.microsoft.com/office/powerpoint/2010/main" val="94919020"/>
       </p:ext>
     </p:extLst>
   </p:cSld>
@@ -5636,7 +6189,7 @@
 </p:sld>
 </file>
 
-<file path=ppt/slides/slide4.xml><?xml version="1.0" encoding="utf-8"?>
+<file path=ppt/slides/slide12.xml><?xml version="1.0" encoding="utf-8"?>
 <p:sld xmlns:a="http://schemas.openxmlformats.org/drawingml/2006/main" xmlns:r="http://schemas.openxmlformats.org/officeDocument/2006/relationships" xmlns:p="http://schemas.openxmlformats.org/presentationml/2006/main">
   <p:cSld>
     <p:spTree>
@@ -5653,14 +6206,43 @@
           <a:chExt cx="0" cy="0"/>
         </a:xfrm>
       </p:grpSpPr>
-      <p:sp>
-        <p:nvSpPr>
-          <p:cNvPr id="2" name="Título 1"/>
-          <p:cNvSpPr>
-            <a:spLocks noGrp="1"/>
-          </p:cNvSpPr>
-          <p:nvPr>
-            <p:ph type="title"/>
+      <p:pic>
+        <p:nvPicPr>
+          <p:cNvPr id="11" name="Imagem 10"/>
+          <p:cNvPicPr>
+            <a:picLocks noChangeAspect="1"/>
+          </p:cNvPicPr>
+          <p:nvPr/>
+        </p:nvPicPr>
+        <p:blipFill rotWithShape="1">
+          <a:blip r:embed="rId3">
+            <a:extLst>
+              <a:ext uri="{28A0092B-C50C-407E-A947-70E740481C1C}">
+                <a14:useLocalDpi xmlns:a14="http://schemas.microsoft.com/office/drawing/2010/main" val="0"/>
+              </a:ext>
+            </a:extLst>
+          </a:blip>
+          <a:srcRect t="2250" b="2300"/>
+          <a:stretch/>
+        </p:blipFill>
+        <p:spPr>
+          <a:xfrm>
+            <a:off x="510862" y="0"/>
+            <a:ext cx="10701621" cy="6185024"/>
+          </a:xfrm>
+          <a:prstGeom prst="rect">
+            <a:avLst/>
+          </a:prstGeom>
+        </p:spPr>
+      </p:pic>
+      <p:sp>
+        <p:nvSpPr>
+          <p:cNvPr id="4" name="Espaço Reservado para Rodapé 3"/>
+          <p:cNvSpPr>
+            <a:spLocks noGrp="1"/>
+          </p:cNvSpPr>
+          <p:nvPr>
+            <p:ph type="ftr" sz="quarter" idx="11"/>
           </p:nvPr>
         </p:nvSpPr>
         <p:spPr/>
@@ -5670,7 +6252,7 @@
           <a:p>
             <a:r>
               <a:rPr lang="pt-PT" dirty="0" smtClean="0"/>
-              <a:t>Análise de Viabilidade</a:t>
+              <a:t>Laboratórios de Informática IV, ARIT-MAT</a:t>
             </a:r>
             <a:endParaRPr lang="pt-PT" dirty="0"/>
           </a:p>
@@ -5678,209 +6260,74 @@
       </p:sp>
       <p:sp>
         <p:nvSpPr>
+          <p:cNvPr id="5" name="Espaço Reservado para Número de Slide 4"/>
+          <p:cNvSpPr>
+            <a:spLocks noGrp="1"/>
+          </p:cNvSpPr>
+          <p:nvPr>
+            <p:ph type="sldNum" sz="quarter" idx="12"/>
+          </p:nvPr>
+        </p:nvSpPr>
+        <p:spPr/>
+        <p:txBody>
+          <a:bodyPr/>
+          <a:lstStyle/>
+          <a:p>
+            <a:fld id="{F5E7B6B6-7C4F-429D-94CF-F2CBE512B1EE}" type="slidenum">
+              <a:rPr lang="pt-PT" smtClean="0"/>
+              <a:t>12</a:t>
+            </a:fld>
+            <a:endParaRPr lang="pt-PT"/>
+          </a:p>
+        </p:txBody>
+      </p:sp>
+      <p:sp>
+        <p:nvSpPr>
           <p:cNvPr id="3" name="Espaço Reservado para Conteúdo 2"/>
           <p:cNvSpPr>
             <a:spLocks noGrp="1"/>
           </p:cNvSpPr>
           <p:nvPr>
-            <p:ph idx="1"/>
-          </p:nvPr>
-        </p:nvSpPr>
-        <p:spPr/>
+            <p:ph idx="4294967295"/>
+          </p:nvPr>
+        </p:nvSpPr>
+        <p:spPr>
+          <a:xfrm>
+            <a:off x="2133600" y="1846263"/>
+            <a:ext cx="10058400" cy="4022725"/>
+          </a:xfrm>
+        </p:spPr>
         <p:txBody>
           <a:bodyPr>
             <a:normAutofit/>
           </a:bodyPr>
           <a:lstStyle/>
           <a:p>
-            <a:pPr marL="628650" lvl="1" indent="-361950">
+            <a:pPr marL="342900" lvl="1" indent="-342900">
               <a:spcBef>
-                <a:spcPts val="600"/>
+                <a:spcPts val="1200"/>
               </a:spcBef>
               <a:spcAft>
-                <a:spcPts val="600"/>
+                <a:spcPts val="200"/>
               </a:spcAft>
-              <a:buFont typeface="Arial" panose="020B0604020202020204" pitchFamily="34" charset="0"/>
-              <a:buChar char="•"/>
-            </a:pPr>
-            <a:r>
-              <a:rPr lang="pt-PT" sz="2800" dirty="0" smtClean="0"/>
-              <a:t>Viabilidade</a:t>
-            </a:r>
-          </a:p>
-          <a:p>
-            <a:pPr marL="811530" lvl="2" indent="-361950">
-              <a:spcBef>
-                <a:spcPts val="600"/>
-              </a:spcBef>
-              <a:spcAft>
-                <a:spcPts val="600"/>
-              </a:spcAft>
-              <a:buFont typeface="Arial" panose="020B0604020202020204" pitchFamily="34" charset="0"/>
-              <a:buChar char="•"/>
-            </a:pPr>
-            <a:r>
-              <a:rPr lang="pt-PT" sz="2400" dirty="0" smtClean="0"/>
-              <a:t>Operacional – a solução é adequada?</a:t>
-            </a:r>
-          </a:p>
-          <a:p>
-            <a:pPr marL="811530" lvl="2" indent="-361950">
-              <a:spcBef>
-                <a:spcPts val="600"/>
-              </a:spcBef>
-              <a:spcAft>
-                <a:spcPts val="600"/>
-              </a:spcAft>
-              <a:buFont typeface="Arial" panose="020B0604020202020204" pitchFamily="34" charset="0"/>
-              <a:buChar char="•"/>
-            </a:pPr>
-            <a:r>
-              <a:rPr lang="pt-PT" sz="2400" dirty="0" smtClean="0"/>
-              <a:t>Técnica – existe o conhecimento necessário ao desenvolvimento?</a:t>
-            </a:r>
-          </a:p>
-          <a:p>
-            <a:pPr marL="811530" lvl="2" indent="-361950">
-              <a:spcBef>
-                <a:spcPts val="600"/>
-              </a:spcBef>
-              <a:spcAft>
-                <a:spcPts val="600"/>
-              </a:spcAft>
-              <a:buFont typeface="Arial" panose="020B0604020202020204" pitchFamily="34" charset="0"/>
-              <a:buChar char="•"/>
-            </a:pPr>
-            <a:r>
-              <a:rPr lang="pt-PT" sz="2400" dirty="0" smtClean="0"/>
-              <a:t>De Cronograma – é passível a conclusão dentro dos prazos de entrega?</a:t>
-            </a:r>
-          </a:p>
-          <a:p>
-            <a:pPr marL="811530" lvl="2" indent="-361950">
-              <a:spcBef>
-                <a:spcPts val="600"/>
-              </a:spcBef>
-              <a:spcAft>
-                <a:spcPts val="600"/>
-              </a:spcAft>
-              <a:buFont typeface="Arial" panose="020B0604020202020204" pitchFamily="34" charset="0"/>
-              <a:buChar char="•"/>
-            </a:pPr>
-            <a:r>
-              <a:rPr lang="pt-PT" sz="2400" dirty="0" smtClean="0"/>
-              <a:t>Económica – lucro compensa o custo?</a:t>
-            </a:r>
-          </a:p>
-          <a:p>
-            <a:pPr marL="811530" lvl="2" indent="-361950">
-              <a:spcBef>
-                <a:spcPts val="600"/>
-              </a:spcBef>
-              <a:spcAft>
-                <a:spcPts val="600"/>
-              </a:spcAft>
+              <a:buSzPct val="100000"/>
               <a:buFont typeface="Arial" panose="020B0604020202020204" pitchFamily="34" charset="0"/>
               <a:buChar char="•"/>
             </a:pPr>
             <a:endParaRPr lang="pt-PT" sz="2400" dirty="0" smtClean="0"/>
           </a:p>
           <a:p>
-            <a:pPr marL="811530" lvl="2" indent="-361950">
-              <a:spcBef>
-                <a:spcPts val="600"/>
-              </a:spcBef>
-              <a:spcAft>
-                <a:spcPts val="600"/>
-              </a:spcAft>
-              <a:buFont typeface="Arial" panose="020B0604020202020204" pitchFamily="34" charset="0"/>
-              <a:buChar char="•"/>
-            </a:pPr>
-            <a:endParaRPr lang="pt-PT" sz="2400" dirty="0" smtClean="0"/>
-          </a:p>
-          <a:p>
-            <a:pPr marL="811530" lvl="2" indent="-361950">
-              <a:spcBef>
-                <a:spcPts val="600"/>
-              </a:spcBef>
-              <a:spcAft>
-                <a:spcPts val="600"/>
-              </a:spcAft>
-              <a:buFont typeface="Arial" panose="020B0604020202020204" pitchFamily="34" charset="0"/>
-              <a:buChar char="•"/>
-            </a:pPr>
-            <a:endParaRPr lang="pt-PT" sz="2400" dirty="0" smtClean="0"/>
-          </a:p>
-          <a:p>
-            <a:pPr marL="811530" lvl="2" indent="-361950">
-              <a:spcBef>
-                <a:spcPts val="600"/>
-              </a:spcBef>
-              <a:spcAft>
-                <a:spcPts val="600"/>
-              </a:spcAft>
-              <a:buFont typeface="Arial" panose="020B0604020202020204" pitchFamily="34" charset="0"/>
-              <a:buChar char="•"/>
-            </a:pPr>
+            <a:endParaRPr lang="pt-PT" dirty="0" smtClean="0"/>
+          </a:p>
+          <a:p>
             <a:endParaRPr lang="pt-PT" dirty="0"/>
-          </a:p>
-        </p:txBody>
-      </p:sp>
-      <p:sp>
-        <p:nvSpPr>
-          <p:cNvPr id="4" name="Espaço Reservado para Rodapé 3"/>
-          <p:cNvSpPr>
-            <a:spLocks noGrp="1"/>
-          </p:cNvSpPr>
-          <p:nvPr>
-            <p:ph type="ftr" sz="quarter" idx="11"/>
-          </p:nvPr>
-        </p:nvSpPr>
-        <p:spPr>
-          <a:xfrm>
-            <a:off x="-200015" y="6442570"/>
-            <a:ext cx="4822804" cy="365125"/>
-          </a:xfrm>
-        </p:spPr>
-        <p:txBody>
-          <a:bodyPr/>
-          <a:lstStyle/>
-          <a:p>
-            <a:r>
-              <a:rPr lang="pt-PT" dirty="0" smtClean="0"/>
-              <a:t>Laboratórios de Informática IV, ARIT-MAT</a:t>
-            </a:r>
-            <a:endParaRPr lang="pt-PT" dirty="0"/>
-          </a:p>
-        </p:txBody>
-      </p:sp>
-      <p:sp>
-        <p:nvSpPr>
-          <p:cNvPr id="5" name="Espaço Reservado para Número de Slide 4"/>
-          <p:cNvSpPr>
-            <a:spLocks noGrp="1"/>
-          </p:cNvSpPr>
-          <p:nvPr>
-            <p:ph type="sldNum" sz="quarter" idx="12"/>
-          </p:nvPr>
-        </p:nvSpPr>
-        <p:spPr/>
-        <p:txBody>
-          <a:bodyPr/>
-          <a:lstStyle/>
-          <a:p>
-            <a:fld id="{F5E7B6B6-7C4F-429D-94CF-F2CBE512B1EE}" type="slidenum">
-              <a:rPr lang="pt-PT" smtClean="0"/>
-              <a:t>4</a:t>
-            </a:fld>
-            <a:endParaRPr lang="pt-PT"/>
           </a:p>
         </p:txBody>
       </p:sp>
     </p:spTree>
     <p:extLst>
       <p:ext uri="{BB962C8B-B14F-4D97-AF65-F5344CB8AC3E}">
-        <p14:creationId xmlns:p14="http://schemas.microsoft.com/office/powerpoint/2010/main" val="194007887"/>
+        <p14:creationId xmlns:p14="http://schemas.microsoft.com/office/powerpoint/2010/main" val="2146002365"/>
       </p:ext>
     </p:extLst>
   </p:cSld>
@@ -5897,7 +6344,7 @@
 </p:sld>
 </file>
 
-<file path=ppt/slides/slide5.xml><?xml version="1.0" encoding="utf-8"?>
+<file path=ppt/slides/slide13.xml><?xml version="1.0" encoding="utf-8"?>
 <p:sld xmlns:a="http://schemas.openxmlformats.org/drawingml/2006/main" xmlns:r="http://schemas.openxmlformats.org/officeDocument/2006/relationships" xmlns:p="http://schemas.openxmlformats.org/presentationml/2006/main">
   <p:cSld>
     <p:spTree>
@@ -5931,194 +6378,7 @@
           <a:p>
             <a:r>
               <a:rPr lang="pt-PT" dirty="0" smtClean="0"/>
-              <a:t>Levantamento de Requisitos</a:t>
-            </a:r>
-            <a:endParaRPr lang="pt-PT" dirty="0"/>
-          </a:p>
-        </p:txBody>
-      </p:sp>
-      <p:sp>
-        <p:nvSpPr>
-          <p:cNvPr id="3" name="Espaço Reservado para Conteúdo 2"/>
-          <p:cNvSpPr>
-            <a:spLocks noGrp="1"/>
-          </p:cNvSpPr>
-          <p:nvPr>
-            <p:ph idx="1"/>
-          </p:nvPr>
-        </p:nvSpPr>
-        <p:spPr/>
-        <p:txBody>
-          <a:bodyPr/>
-          <a:lstStyle/>
-          <a:p>
-            <a:pPr marL="0" lvl="1" indent="0">
-              <a:spcBef>
-                <a:spcPts val="1200"/>
-              </a:spcBef>
-              <a:spcAft>
-                <a:spcPts val="200"/>
-              </a:spcAft>
-              <a:buSzPct val="100000"/>
-              <a:buNone/>
-            </a:pPr>
-            <a:endParaRPr lang="pt-PT" sz="2400" dirty="0" smtClean="0"/>
-          </a:p>
-          <a:p>
-            <a:pPr marL="342900" lvl="1" indent="-342900">
-              <a:spcBef>
-                <a:spcPts val="1200"/>
-              </a:spcBef>
-              <a:spcAft>
-                <a:spcPts val="200"/>
-              </a:spcAft>
-              <a:buSzPct val="100000"/>
-              <a:buFont typeface="Arial" panose="020B0604020202020204" pitchFamily="34" charset="0"/>
-              <a:buChar char="•"/>
-            </a:pPr>
-            <a:r>
-              <a:rPr lang="pt-PT" sz="2800" dirty="0" smtClean="0"/>
-              <a:t> </a:t>
-            </a:r>
-            <a:endParaRPr lang="pt-PT" sz="2800" dirty="0" smtClean="0"/>
-          </a:p>
-          <a:p>
-            <a:pPr marL="0" lvl="1" indent="0">
-              <a:spcBef>
-                <a:spcPts val="1200"/>
-              </a:spcBef>
-              <a:spcAft>
-                <a:spcPts val="200"/>
-              </a:spcAft>
-              <a:buSzPct val="100000"/>
-              <a:buNone/>
-            </a:pPr>
-            <a:endParaRPr lang="pt-PT" sz="2400" dirty="0" smtClean="0"/>
-          </a:p>
-          <a:p>
-            <a:pPr marL="0" lvl="1" indent="0">
-              <a:spcBef>
-                <a:spcPts val="1200"/>
-              </a:spcBef>
-              <a:spcAft>
-                <a:spcPts val="200"/>
-              </a:spcAft>
-              <a:buSzPct val="100000"/>
-              <a:buNone/>
-            </a:pPr>
-            <a:endParaRPr lang="pt-PT" sz="2400" dirty="0" smtClean="0"/>
-          </a:p>
-          <a:p>
-            <a:endParaRPr lang="pt-PT" dirty="0"/>
-          </a:p>
-        </p:txBody>
-      </p:sp>
-      <p:sp>
-        <p:nvSpPr>
-          <p:cNvPr id="4" name="Espaço Reservado para Rodapé 3"/>
-          <p:cNvSpPr>
-            <a:spLocks noGrp="1"/>
-          </p:cNvSpPr>
-          <p:nvPr>
-            <p:ph type="ftr" sz="quarter" idx="11"/>
-          </p:nvPr>
-        </p:nvSpPr>
-        <p:spPr>
-          <a:xfrm>
-            <a:off x="-200015" y="6442570"/>
-            <a:ext cx="4822804" cy="365125"/>
-          </a:xfrm>
-        </p:spPr>
-        <p:txBody>
-          <a:bodyPr/>
-          <a:lstStyle/>
-          <a:p>
-            <a:r>
-              <a:rPr lang="pt-PT" dirty="0" smtClean="0"/>
-              <a:t>Laboratórios de Informática IV, ARIT-MAT</a:t>
-            </a:r>
-            <a:endParaRPr lang="pt-PT" dirty="0"/>
-          </a:p>
-        </p:txBody>
-      </p:sp>
-      <p:sp>
-        <p:nvSpPr>
-          <p:cNvPr id="5" name="Espaço Reservado para Número de Slide 4"/>
-          <p:cNvSpPr>
-            <a:spLocks noGrp="1"/>
-          </p:cNvSpPr>
-          <p:nvPr>
-            <p:ph type="sldNum" sz="quarter" idx="12"/>
-          </p:nvPr>
-        </p:nvSpPr>
-        <p:spPr/>
-        <p:txBody>
-          <a:bodyPr/>
-          <a:lstStyle/>
-          <a:p>
-            <a:fld id="{F5E7B6B6-7C4F-429D-94CF-F2CBE512B1EE}" type="slidenum">
-              <a:rPr lang="pt-PT" smtClean="0"/>
-              <a:t>5</a:t>
-            </a:fld>
-            <a:endParaRPr lang="pt-PT"/>
-          </a:p>
-        </p:txBody>
-      </p:sp>
-    </p:spTree>
-    <p:extLst>
-      <p:ext uri="{BB962C8B-B14F-4D97-AF65-F5344CB8AC3E}">
-        <p14:creationId xmlns:p14="http://schemas.microsoft.com/office/powerpoint/2010/main" val="3086288907"/>
-      </p:ext>
-    </p:extLst>
-  </p:cSld>
-  <p:clrMapOvr>
-    <a:masterClrMapping/>
-  </p:clrMapOvr>
-  <p:timing>
-    <p:tnLst>
-      <p:par>
-        <p:cTn id="1" dur="indefinite" restart="never" nodeType="tmRoot"/>
-      </p:par>
-    </p:tnLst>
-  </p:timing>
-</p:sld>
-</file>
-
-<file path=ppt/slides/slide6.xml><?xml version="1.0" encoding="utf-8"?>
-<p:sld xmlns:a="http://schemas.openxmlformats.org/drawingml/2006/main" xmlns:r="http://schemas.openxmlformats.org/officeDocument/2006/relationships" xmlns:p="http://schemas.openxmlformats.org/presentationml/2006/main">
-  <p:cSld>
-    <p:spTree>
-      <p:nvGrpSpPr>
-        <p:cNvPr id="1" name=""/>
-        <p:cNvGrpSpPr/>
-        <p:nvPr/>
-      </p:nvGrpSpPr>
-      <p:grpSpPr>
-        <a:xfrm>
-          <a:off x="0" y="0"/>
-          <a:ext cx="0" cy="0"/>
-          <a:chOff x="0" y="0"/>
-          <a:chExt cx="0" cy="0"/>
-        </a:xfrm>
-      </p:grpSpPr>
-      <p:sp>
-        <p:nvSpPr>
-          <p:cNvPr id="2" name="Título 1"/>
-          <p:cNvSpPr>
-            <a:spLocks noGrp="1"/>
-          </p:cNvSpPr>
-          <p:nvPr>
-            <p:ph type="title"/>
-          </p:nvPr>
-        </p:nvSpPr>
-        <p:spPr/>
-        <p:txBody>
-          <a:bodyPr/>
-          <a:lstStyle/>
-          <a:p>
-            <a:r>
-              <a:rPr lang="pt-PT" dirty="0" smtClean="0"/>
-              <a:t>Modelação</a:t>
+              <a:t>Conclusão</a:t>
             </a:r>
             <a:endParaRPr lang="pt-PT" dirty="0"/>
           </a:p>
@@ -6153,153 +6413,6 @@
             <a:endParaRPr lang="pt-PT" sz="2400" dirty="0" smtClean="0"/>
           </a:p>
           <a:p>
-            <a:endParaRPr lang="pt-PT" dirty="0" smtClean="0"/>
-          </a:p>
-          <a:p>
-            <a:endParaRPr lang="pt-PT" dirty="0"/>
-          </a:p>
-        </p:txBody>
-      </p:sp>
-      <p:sp>
-        <p:nvSpPr>
-          <p:cNvPr id="4" name="Espaço Reservado para Rodapé 3"/>
-          <p:cNvSpPr>
-            <a:spLocks noGrp="1"/>
-          </p:cNvSpPr>
-          <p:nvPr>
-            <p:ph type="ftr" sz="quarter" idx="11"/>
-          </p:nvPr>
-        </p:nvSpPr>
-        <p:spPr>
-          <a:xfrm>
-            <a:off x="-200015" y="6442570"/>
-            <a:ext cx="4822804" cy="365125"/>
-          </a:xfrm>
-        </p:spPr>
-        <p:txBody>
-          <a:bodyPr/>
-          <a:lstStyle/>
-          <a:p>
-            <a:r>
-              <a:rPr lang="pt-PT" dirty="0" smtClean="0"/>
-              <a:t>Laboratórios de Informática IV, ARIT-MAT</a:t>
-            </a:r>
-            <a:endParaRPr lang="pt-PT" dirty="0"/>
-          </a:p>
-        </p:txBody>
-      </p:sp>
-      <p:sp>
-        <p:nvSpPr>
-          <p:cNvPr id="5" name="Espaço Reservado para Número de Slide 4"/>
-          <p:cNvSpPr>
-            <a:spLocks noGrp="1"/>
-          </p:cNvSpPr>
-          <p:nvPr>
-            <p:ph type="sldNum" sz="quarter" idx="12"/>
-          </p:nvPr>
-        </p:nvSpPr>
-        <p:spPr/>
-        <p:txBody>
-          <a:bodyPr/>
-          <a:lstStyle/>
-          <a:p>
-            <a:fld id="{F5E7B6B6-7C4F-429D-94CF-F2CBE512B1EE}" type="slidenum">
-              <a:rPr lang="pt-PT" smtClean="0"/>
-              <a:t>6</a:t>
-            </a:fld>
-            <a:endParaRPr lang="pt-PT"/>
-          </a:p>
-        </p:txBody>
-      </p:sp>
-    </p:spTree>
-    <p:extLst>
-      <p:ext uri="{BB962C8B-B14F-4D97-AF65-F5344CB8AC3E}">
-        <p14:creationId xmlns:p14="http://schemas.microsoft.com/office/powerpoint/2010/main" val="270195227"/>
-      </p:ext>
-    </p:extLst>
-  </p:cSld>
-  <p:clrMapOvr>
-    <a:masterClrMapping/>
-  </p:clrMapOvr>
-  <p:timing>
-    <p:tnLst>
-      <p:par>
-        <p:cTn id="1" dur="indefinite" restart="never" nodeType="tmRoot"/>
-      </p:par>
-    </p:tnLst>
-  </p:timing>
-</p:sld>
-</file>
-
-<file path=ppt/slides/slide7.xml><?xml version="1.0" encoding="utf-8"?>
-<p:sld xmlns:a="http://schemas.openxmlformats.org/drawingml/2006/main" xmlns:r="http://schemas.openxmlformats.org/officeDocument/2006/relationships" xmlns:p="http://schemas.openxmlformats.org/presentationml/2006/main">
-  <p:cSld>
-    <p:spTree>
-      <p:nvGrpSpPr>
-        <p:cNvPr id="1" name=""/>
-        <p:cNvGrpSpPr/>
-        <p:nvPr/>
-      </p:nvGrpSpPr>
-      <p:grpSpPr>
-        <a:xfrm>
-          <a:off x="0" y="0"/>
-          <a:ext cx="0" cy="0"/>
-          <a:chOff x="0" y="0"/>
-          <a:chExt cx="0" cy="0"/>
-        </a:xfrm>
-      </p:grpSpPr>
-      <p:sp>
-        <p:nvSpPr>
-          <p:cNvPr id="2" name="Título 1"/>
-          <p:cNvSpPr>
-            <a:spLocks noGrp="1"/>
-          </p:cNvSpPr>
-          <p:nvPr>
-            <p:ph type="title"/>
-          </p:nvPr>
-        </p:nvSpPr>
-        <p:spPr/>
-        <p:txBody>
-          <a:bodyPr/>
-          <a:lstStyle/>
-          <a:p>
-            <a:r>
-              <a:rPr lang="pt-PT" dirty="0" smtClean="0"/>
-              <a:t>Conclusão</a:t>
-            </a:r>
-            <a:endParaRPr lang="pt-PT" dirty="0"/>
-          </a:p>
-        </p:txBody>
-      </p:sp>
-      <p:sp>
-        <p:nvSpPr>
-          <p:cNvPr id="3" name="Espaço Reservado para Conteúdo 2"/>
-          <p:cNvSpPr>
-            <a:spLocks noGrp="1"/>
-          </p:cNvSpPr>
-          <p:nvPr>
-            <p:ph idx="1"/>
-          </p:nvPr>
-        </p:nvSpPr>
-        <p:spPr/>
-        <p:txBody>
-          <a:bodyPr/>
-          <a:lstStyle/>
-          <a:p>
-            <a:pPr marL="342900" lvl="1" indent="-342900">
-              <a:spcBef>
-                <a:spcPts val="1200"/>
-              </a:spcBef>
-              <a:spcAft>
-                <a:spcPts val="200"/>
-              </a:spcAft>
-              <a:buSzPct val="100000"/>
-              <a:buFont typeface="Arial" panose="020B0604020202020204" pitchFamily="34" charset="0"/>
-              <a:buChar char="•"/>
-            </a:pPr>
-            <a:endParaRPr lang="pt-PT" sz="2400" dirty="0" smtClean="0"/>
-          </a:p>
-          <a:p>
             <a:pPr marL="525780" lvl="2" indent="-342900">
               <a:spcBef>
                 <a:spcPts val="1200"/>
@@ -6376,9 +6489,458 @@
           <a:p>
             <a:fld id="{F5E7B6B6-7C4F-429D-94CF-F2CBE512B1EE}" type="slidenum">
               <a:rPr lang="pt-PT" smtClean="0"/>
-              <a:t>7</a:t>
+              <a:t>13</a:t>
             </a:fld>
             <a:endParaRPr lang="pt-PT"/>
+          </a:p>
+        </p:txBody>
+      </p:sp>
+      <p:sp>
+        <p:nvSpPr>
+          <p:cNvPr id="8" name="Espaço Reservado para Conteúdo 2"/>
+          <p:cNvSpPr txBox="1">
+            <a:spLocks/>
+          </p:cNvSpPr>
+          <p:nvPr/>
+        </p:nvSpPr>
+        <p:spPr>
+          <a:xfrm>
+            <a:off x="1154083" y="1954108"/>
+            <a:ext cx="10058400" cy="4023360"/>
+          </a:xfrm>
+          <a:prstGeom prst="rect">
+            <a:avLst/>
+          </a:prstGeom>
+        </p:spPr>
+        <p:txBody>
+          <a:bodyPr vert="horz" lIns="0" tIns="45720" rIns="0" bIns="45720" rtlCol="0">
+            <a:normAutofit/>
+          </a:bodyPr>
+          <a:lstStyle>
+            <a:lvl1pPr marL="91440" indent="-91440" algn="l" defTabSz="914400" rtl="0" eaLnBrk="1" latinLnBrk="0" hangingPunct="1">
+              <a:lnSpc>
+                <a:spcPct val="90000"/>
+              </a:lnSpc>
+              <a:spcBef>
+                <a:spcPts val="1200"/>
+              </a:spcBef>
+              <a:spcAft>
+                <a:spcPts val="200"/>
+              </a:spcAft>
+              <a:buClr>
+                <a:schemeClr val="accent1"/>
+              </a:buClr>
+              <a:buSzPct val="100000"/>
+              <a:buFont typeface="Calibri" panose="020F0502020204030204" pitchFamily="34" charset="0"/>
+              <a:buChar char=" "/>
+              <a:defRPr sz="2000" kern="1200">
+                <a:solidFill>
+                  <a:schemeClr val="tx1">
+                    <a:lumMod val="75000"/>
+                    <a:lumOff val="25000"/>
+                  </a:schemeClr>
+                </a:solidFill>
+                <a:latin typeface="+mn-lt"/>
+                <a:ea typeface="+mn-ea"/>
+                <a:cs typeface="+mn-cs"/>
+              </a:defRPr>
+            </a:lvl1pPr>
+            <a:lvl2pPr marL="384048" indent="-182880" algn="l" defTabSz="914400" rtl="0" eaLnBrk="1" latinLnBrk="0" hangingPunct="1">
+              <a:lnSpc>
+                <a:spcPct val="90000"/>
+              </a:lnSpc>
+              <a:spcBef>
+                <a:spcPts val="200"/>
+              </a:spcBef>
+              <a:spcAft>
+                <a:spcPts val="400"/>
+              </a:spcAft>
+              <a:buClr>
+                <a:schemeClr val="accent1"/>
+              </a:buClr>
+              <a:buFont typeface="Calibri" pitchFamily="34" charset="0"/>
+              <a:buChar char="◦"/>
+              <a:defRPr sz="1800" kern="1200">
+                <a:solidFill>
+                  <a:schemeClr val="tx1">
+                    <a:lumMod val="75000"/>
+                    <a:lumOff val="25000"/>
+                  </a:schemeClr>
+                </a:solidFill>
+                <a:latin typeface="+mn-lt"/>
+                <a:ea typeface="+mn-ea"/>
+                <a:cs typeface="+mn-cs"/>
+              </a:defRPr>
+            </a:lvl2pPr>
+            <a:lvl3pPr marL="566928" indent="-182880" algn="l" defTabSz="914400" rtl="0" eaLnBrk="1" latinLnBrk="0" hangingPunct="1">
+              <a:lnSpc>
+                <a:spcPct val="90000"/>
+              </a:lnSpc>
+              <a:spcBef>
+                <a:spcPts val="200"/>
+              </a:spcBef>
+              <a:spcAft>
+                <a:spcPts val="400"/>
+              </a:spcAft>
+              <a:buClr>
+                <a:schemeClr val="accent1"/>
+              </a:buClr>
+              <a:buFont typeface="Calibri" pitchFamily="34" charset="0"/>
+              <a:buChar char="◦"/>
+              <a:defRPr sz="1400" kern="1200">
+                <a:solidFill>
+                  <a:schemeClr val="tx1">
+                    <a:lumMod val="75000"/>
+                    <a:lumOff val="25000"/>
+                  </a:schemeClr>
+                </a:solidFill>
+                <a:latin typeface="+mn-lt"/>
+                <a:ea typeface="+mn-ea"/>
+                <a:cs typeface="+mn-cs"/>
+              </a:defRPr>
+            </a:lvl3pPr>
+            <a:lvl4pPr marL="749808" indent="-182880" algn="l" defTabSz="914400" rtl="0" eaLnBrk="1" latinLnBrk="0" hangingPunct="1">
+              <a:lnSpc>
+                <a:spcPct val="90000"/>
+              </a:lnSpc>
+              <a:spcBef>
+                <a:spcPts val="200"/>
+              </a:spcBef>
+              <a:spcAft>
+                <a:spcPts val="400"/>
+              </a:spcAft>
+              <a:buClr>
+                <a:schemeClr val="accent1"/>
+              </a:buClr>
+              <a:buFont typeface="Calibri" pitchFamily="34" charset="0"/>
+              <a:buChar char="◦"/>
+              <a:defRPr sz="1400" kern="1200">
+                <a:solidFill>
+                  <a:schemeClr val="tx1">
+                    <a:lumMod val="75000"/>
+                    <a:lumOff val="25000"/>
+                  </a:schemeClr>
+                </a:solidFill>
+                <a:latin typeface="+mn-lt"/>
+                <a:ea typeface="+mn-ea"/>
+                <a:cs typeface="+mn-cs"/>
+              </a:defRPr>
+            </a:lvl4pPr>
+            <a:lvl5pPr marL="932688" indent="-182880" algn="l" defTabSz="914400" rtl="0" eaLnBrk="1" latinLnBrk="0" hangingPunct="1">
+              <a:lnSpc>
+                <a:spcPct val="90000"/>
+              </a:lnSpc>
+              <a:spcBef>
+                <a:spcPts val="200"/>
+              </a:spcBef>
+              <a:spcAft>
+                <a:spcPts val="400"/>
+              </a:spcAft>
+              <a:buClr>
+                <a:schemeClr val="accent1"/>
+              </a:buClr>
+              <a:buFont typeface="Calibri" pitchFamily="34" charset="0"/>
+              <a:buChar char="◦"/>
+              <a:defRPr sz="1400" kern="1200">
+                <a:solidFill>
+                  <a:schemeClr val="tx1">
+                    <a:lumMod val="75000"/>
+                    <a:lumOff val="25000"/>
+                  </a:schemeClr>
+                </a:solidFill>
+                <a:latin typeface="+mn-lt"/>
+                <a:ea typeface="+mn-ea"/>
+                <a:cs typeface="+mn-cs"/>
+              </a:defRPr>
+            </a:lvl5pPr>
+            <a:lvl6pPr marL="1100000" indent="-228600" algn="l" defTabSz="914400" rtl="0" eaLnBrk="1" latinLnBrk="0" hangingPunct="1">
+              <a:lnSpc>
+                <a:spcPct val="90000"/>
+              </a:lnSpc>
+              <a:spcBef>
+                <a:spcPts val="200"/>
+              </a:spcBef>
+              <a:spcAft>
+                <a:spcPts val="400"/>
+              </a:spcAft>
+              <a:buClr>
+                <a:schemeClr val="accent1"/>
+              </a:buClr>
+              <a:buFont typeface="Calibri" pitchFamily="34" charset="0"/>
+              <a:buChar char="◦"/>
+              <a:defRPr sz="1400" kern="1200">
+                <a:solidFill>
+                  <a:schemeClr val="tx1">
+                    <a:lumMod val="75000"/>
+                    <a:lumOff val="25000"/>
+                  </a:schemeClr>
+                </a:solidFill>
+                <a:latin typeface="+mn-lt"/>
+                <a:ea typeface="+mn-ea"/>
+                <a:cs typeface="+mn-cs"/>
+              </a:defRPr>
+            </a:lvl6pPr>
+            <a:lvl7pPr marL="1300000" indent="-228600" algn="l" defTabSz="914400" rtl="0" eaLnBrk="1" latinLnBrk="0" hangingPunct="1">
+              <a:lnSpc>
+                <a:spcPct val="90000"/>
+              </a:lnSpc>
+              <a:spcBef>
+                <a:spcPts val="200"/>
+              </a:spcBef>
+              <a:spcAft>
+                <a:spcPts val="400"/>
+              </a:spcAft>
+              <a:buClr>
+                <a:schemeClr val="accent1"/>
+              </a:buClr>
+              <a:buFont typeface="Calibri" pitchFamily="34" charset="0"/>
+              <a:buChar char="◦"/>
+              <a:defRPr sz="1400" kern="1200">
+                <a:solidFill>
+                  <a:schemeClr val="tx1">
+                    <a:lumMod val="75000"/>
+                    <a:lumOff val="25000"/>
+                  </a:schemeClr>
+                </a:solidFill>
+                <a:latin typeface="+mn-lt"/>
+                <a:ea typeface="+mn-ea"/>
+                <a:cs typeface="+mn-cs"/>
+              </a:defRPr>
+            </a:lvl7pPr>
+            <a:lvl8pPr marL="1500000" indent="-228600" algn="l" defTabSz="914400" rtl="0" eaLnBrk="1" latinLnBrk="0" hangingPunct="1">
+              <a:lnSpc>
+                <a:spcPct val="90000"/>
+              </a:lnSpc>
+              <a:spcBef>
+                <a:spcPts val="200"/>
+              </a:spcBef>
+              <a:spcAft>
+                <a:spcPts val="400"/>
+              </a:spcAft>
+              <a:buClr>
+                <a:schemeClr val="accent1"/>
+              </a:buClr>
+              <a:buFont typeface="Calibri" pitchFamily="34" charset="0"/>
+              <a:buChar char="◦"/>
+              <a:defRPr sz="1400" kern="1200">
+                <a:solidFill>
+                  <a:schemeClr val="tx1">
+                    <a:lumMod val="75000"/>
+                    <a:lumOff val="25000"/>
+                  </a:schemeClr>
+                </a:solidFill>
+                <a:latin typeface="+mn-lt"/>
+                <a:ea typeface="+mn-ea"/>
+                <a:cs typeface="+mn-cs"/>
+              </a:defRPr>
+            </a:lvl8pPr>
+            <a:lvl9pPr marL="1700000" indent="-228600" algn="l" defTabSz="914400" rtl="0" eaLnBrk="1" latinLnBrk="0" hangingPunct="1">
+              <a:lnSpc>
+                <a:spcPct val="90000"/>
+              </a:lnSpc>
+              <a:spcBef>
+                <a:spcPts val="200"/>
+              </a:spcBef>
+              <a:spcAft>
+                <a:spcPts val="400"/>
+              </a:spcAft>
+              <a:buClr>
+                <a:schemeClr val="accent1"/>
+              </a:buClr>
+              <a:buFont typeface="Calibri" pitchFamily="34" charset="0"/>
+              <a:buChar char="◦"/>
+              <a:defRPr sz="1400" kern="1200">
+                <a:solidFill>
+                  <a:schemeClr val="tx1">
+                    <a:lumMod val="75000"/>
+                    <a:lumOff val="25000"/>
+                  </a:schemeClr>
+                </a:solidFill>
+                <a:latin typeface="+mn-lt"/>
+                <a:ea typeface="+mn-ea"/>
+                <a:cs typeface="+mn-cs"/>
+              </a:defRPr>
+            </a:lvl9pPr>
+          </a:lstStyle>
+          <a:p>
+            <a:pPr marL="342900" lvl="1" indent="-342900">
+              <a:spcBef>
+                <a:spcPts val="1200"/>
+              </a:spcBef>
+              <a:spcAft>
+                <a:spcPts val="200"/>
+              </a:spcAft>
+              <a:buSzPct val="100000"/>
+              <a:buFont typeface="Arial" panose="020B0604020202020204" pitchFamily="34" charset="0"/>
+              <a:buChar char="•"/>
+            </a:pPr>
+            <a:r>
+              <a:rPr lang="pt-PT" sz="2800" dirty="0" smtClean="0"/>
+              <a:t>Dificuldades</a:t>
+            </a:r>
+          </a:p>
+          <a:p>
+            <a:pPr marL="525780" lvl="2" indent="-342900">
+              <a:spcBef>
+                <a:spcPts val="1200"/>
+              </a:spcBef>
+              <a:spcAft>
+                <a:spcPts val="200"/>
+              </a:spcAft>
+              <a:buSzPct val="100000"/>
+              <a:buFont typeface="Arial" panose="020B0604020202020204" pitchFamily="34" charset="0"/>
+              <a:buChar char="•"/>
+            </a:pPr>
+            <a:r>
+              <a:rPr lang="pt-PT" sz="2400" dirty="0" smtClean="0"/>
+              <a:t>Cumprir a calendarização definida no diagrama de </a:t>
+            </a:r>
+            <a:r>
+              <a:rPr lang="pt-PT" sz="2400" dirty="0" err="1" smtClean="0"/>
+              <a:t>Gantt</a:t>
+            </a:r>
+            <a:endParaRPr lang="pt-PT" sz="2400" dirty="0" smtClean="0"/>
+          </a:p>
+          <a:p>
+            <a:pPr marL="525780" lvl="2" indent="-342900">
+              <a:spcBef>
+                <a:spcPts val="1200"/>
+              </a:spcBef>
+              <a:spcAft>
+                <a:spcPts val="200"/>
+              </a:spcAft>
+              <a:buSzPct val="100000"/>
+              <a:buFont typeface="Arial" panose="020B0604020202020204" pitchFamily="34" charset="0"/>
+              <a:buChar char="•"/>
+            </a:pPr>
+            <a:r>
+              <a:rPr lang="pt-PT" sz="2400" dirty="0" smtClean="0"/>
+              <a:t>Falta de domínio em relação a alguns aspetos</a:t>
+            </a:r>
+          </a:p>
+          <a:p>
+            <a:pPr marL="182880" lvl="2" indent="0">
+              <a:spcBef>
+                <a:spcPts val="1200"/>
+              </a:spcBef>
+              <a:spcAft>
+                <a:spcPts val="200"/>
+              </a:spcAft>
+              <a:buSzPct val="100000"/>
+              <a:buNone/>
+            </a:pPr>
+            <a:endParaRPr lang="pt-PT" sz="2400" dirty="0" smtClean="0"/>
+          </a:p>
+          <a:p>
+            <a:pPr marL="342900" lvl="1" indent="-342900">
+              <a:spcBef>
+                <a:spcPts val="1200"/>
+              </a:spcBef>
+              <a:spcAft>
+                <a:spcPts val="200"/>
+              </a:spcAft>
+              <a:buSzPct val="100000"/>
+              <a:buFont typeface="Arial" panose="020B0604020202020204" pitchFamily="34" charset="0"/>
+              <a:buChar char="•"/>
+            </a:pPr>
+            <a:r>
+              <a:rPr lang="pt-PT" sz="2800" dirty="0" smtClean="0"/>
+              <a:t>Redefinição de objetivos</a:t>
+            </a:r>
+          </a:p>
+          <a:p>
+            <a:pPr marL="525780" lvl="2" indent="-342900">
+              <a:spcBef>
+                <a:spcPts val="1200"/>
+              </a:spcBef>
+              <a:spcAft>
+                <a:spcPts val="200"/>
+              </a:spcAft>
+              <a:buSzPct val="100000"/>
+              <a:buFont typeface="Arial" panose="020B0604020202020204" pitchFamily="34" charset="0"/>
+              <a:buChar char="•"/>
+            </a:pPr>
+            <a:r>
+              <a:rPr lang="pt-PT" sz="2400" dirty="0" smtClean="0"/>
+              <a:t>Focar no que é importante</a:t>
+            </a:r>
+          </a:p>
+          <a:p>
+            <a:pPr marL="525780" lvl="2" indent="-342900">
+              <a:spcBef>
+                <a:spcPts val="1200"/>
+              </a:spcBef>
+              <a:spcAft>
+                <a:spcPts val="200"/>
+              </a:spcAft>
+              <a:buSzPct val="100000"/>
+              <a:buFont typeface="Arial" panose="020B0604020202020204" pitchFamily="34" charset="0"/>
+              <a:buChar char="•"/>
+            </a:pPr>
+            <a:r>
+              <a:rPr lang="pt-PT" sz="2400" dirty="0" smtClean="0"/>
+              <a:t>Excluir características/funcionalidades acessórias</a:t>
+            </a:r>
+            <a:endParaRPr lang="pt-PT" sz="2400" dirty="0"/>
+          </a:p>
+          <a:p>
+            <a:pPr marL="525780" lvl="2" indent="-342900">
+              <a:spcBef>
+                <a:spcPts val="1200"/>
+              </a:spcBef>
+              <a:spcAft>
+                <a:spcPts val="200"/>
+              </a:spcAft>
+              <a:buSzPct val="100000"/>
+              <a:buFont typeface="Arial" panose="020B0604020202020204" pitchFamily="34" charset="0"/>
+              <a:buChar char="•"/>
+            </a:pPr>
+            <a:endParaRPr lang="pt-PT" sz="2400" dirty="0" smtClean="0"/>
+          </a:p>
+          <a:p>
+            <a:pPr marL="342900" lvl="1" indent="-342900">
+              <a:spcBef>
+                <a:spcPts val="1200"/>
+              </a:spcBef>
+              <a:spcAft>
+                <a:spcPts val="200"/>
+              </a:spcAft>
+              <a:buSzPct val="100000"/>
+              <a:buFont typeface="Arial" panose="020B0604020202020204" pitchFamily="34" charset="0"/>
+              <a:buChar char="•"/>
+            </a:pPr>
+            <a:endParaRPr lang="pt-PT" sz="2800" dirty="0" smtClean="0"/>
+          </a:p>
+          <a:p>
+            <a:pPr marL="0" lvl="1" indent="0">
+              <a:spcBef>
+                <a:spcPts val="1200"/>
+              </a:spcBef>
+              <a:spcAft>
+                <a:spcPts val="200"/>
+              </a:spcAft>
+              <a:buSzPct val="100000"/>
+              <a:buFont typeface="Calibri" pitchFamily="34" charset="0"/>
+              <a:buNone/>
+            </a:pPr>
+            <a:endParaRPr lang="pt-PT" sz="2400" dirty="0" smtClean="0"/>
+          </a:p>
+          <a:p>
+            <a:pPr marL="0" lvl="1" indent="0">
+              <a:spcBef>
+                <a:spcPts val="1200"/>
+              </a:spcBef>
+              <a:spcAft>
+                <a:spcPts val="200"/>
+              </a:spcAft>
+              <a:buSzPct val="100000"/>
+              <a:buFont typeface="Calibri" pitchFamily="34" charset="0"/>
+              <a:buNone/>
+            </a:pPr>
+            <a:endParaRPr lang="pt-PT" sz="2400" dirty="0" smtClean="0"/>
+          </a:p>
+          <a:p>
+            <a:endParaRPr lang="pt-PT" dirty="0"/>
           </a:p>
         </p:txBody>
       </p:sp>
@@ -6402,7 +6964,7 @@
 </p:sld>
 </file>
 
-<file path=ppt/slides/slide8.xml><?xml version="1.0" encoding="utf-8"?>
+<file path=ppt/slides/slide14.xml><?xml version="1.0" encoding="utf-8"?>
 <p:sld xmlns:a="http://schemas.openxmlformats.org/drawingml/2006/main" xmlns:r="http://schemas.openxmlformats.org/officeDocument/2006/relationships" xmlns:p="http://schemas.openxmlformats.org/presentationml/2006/main">
   <p:cSld>
     <p:spTree>
@@ -6722,6 +7284,2187 @@
     <p:extLst>
       <p:ext uri="{BB962C8B-B14F-4D97-AF65-F5344CB8AC3E}">
         <p14:creationId xmlns:p14="http://schemas.microsoft.com/office/powerpoint/2010/main" val="1443973524"/>
+      </p:ext>
+    </p:extLst>
+  </p:cSld>
+  <p:clrMapOvr>
+    <a:masterClrMapping/>
+  </p:clrMapOvr>
+  <p:timing>
+    <p:tnLst>
+      <p:par>
+        <p:cTn id="1" dur="indefinite" restart="never" nodeType="tmRoot"/>
+      </p:par>
+    </p:tnLst>
+  </p:timing>
+</p:sld>
+</file>
+
+<file path=ppt/slides/slide2.xml><?xml version="1.0" encoding="utf-8"?>
+<p:sld xmlns:a="http://schemas.openxmlformats.org/drawingml/2006/main" xmlns:r="http://schemas.openxmlformats.org/officeDocument/2006/relationships" xmlns:p="http://schemas.openxmlformats.org/presentationml/2006/main">
+  <p:cSld>
+    <p:spTree>
+      <p:nvGrpSpPr>
+        <p:cNvPr id="1" name=""/>
+        <p:cNvGrpSpPr/>
+        <p:nvPr/>
+      </p:nvGrpSpPr>
+      <p:grpSpPr>
+        <a:xfrm>
+          <a:off x="0" y="0"/>
+          <a:ext cx="0" cy="0"/>
+          <a:chOff x="0" y="0"/>
+          <a:chExt cx="0" cy="0"/>
+        </a:xfrm>
+      </p:grpSpPr>
+      <p:sp>
+        <p:nvSpPr>
+          <p:cNvPr id="2" name="Título 1"/>
+          <p:cNvSpPr>
+            <a:spLocks noGrp="1"/>
+          </p:cNvSpPr>
+          <p:nvPr>
+            <p:ph type="title"/>
+          </p:nvPr>
+        </p:nvSpPr>
+        <p:spPr/>
+        <p:txBody>
+          <a:bodyPr/>
+          <a:lstStyle/>
+          <a:p>
+            <a:r>
+              <a:rPr lang="pt-PT" dirty="0" smtClean="0"/>
+              <a:t>Índice</a:t>
+            </a:r>
+            <a:endParaRPr lang="pt-PT" dirty="0"/>
+          </a:p>
+        </p:txBody>
+      </p:sp>
+      <p:sp>
+        <p:nvSpPr>
+          <p:cNvPr id="3" name="Espaço Reservado para Conteúdo 2"/>
+          <p:cNvSpPr>
+            <a:spLocks noGrp="1"/>
+          </p:cNvSpPr>
+          <p:nvPr>
+            <p:ph idx="1"/>
+          </p:nvPr>
+        </p:nvSpPr>
+        <p:spPr/>
+        <p:txBody>
+          <a:bodyPr/>
+          <a:lstStyle/>
+          <a:p>
+            <a:pPr lvl="1">
+              <a:buFont typeface="Arial" panose="020B0604020202020204" pitchFamily="34" charset="0"/>
+              <a:buChar char="•"/>
+            </a:pPr>
+            <a:endParaRPr lang="pt-PT" dirty="0" smtClean="0"/>
+          </a:p>
+          <a:p>
+            <a:pPr marL="628650" lvl="1" indent="-361950">
+              <a:spcBef>
+                <a:spcPts val="600"/>
+              </a:spcBef>
+              <a:spcAft>
+                <a:spcPts val="600"/>
+              </a:spcAft>
+              <a:buFont typeface="Arial" panose="020B0604020202020204" pitchFamily="34" charset="0"/>
+              <a:buChar char="•"/>
+            </a:pPr>
+            <a:r>
+              <a:rPr lang="pt-PT" sz="2400" dirty="0" smtClean="0"/>
+              <a:t>Introdução</a:t>
+            </a:r>
+          </a:p>
+          <a:p>
+            <a:pPr marL="628650" lvl="1" indent="-361950">
+              <a:spcBef>
+                <a:spcPts val="600"/>
+              </a:spcBef>
+              <a:spcAft>
+                <a:spcPts val="600"/>
+              </a:spcAft>
+              <a:buFont typeface="Arial" panose="020B0604020202020204" pitchFamily="34" charset="0"/>
+              <a:buChar char="•"/>
+            </a:pPr>
+            <a:r>
+              <a:rPr lang="pt-PT" sz="2400" dirty="0" smtClean="0"/>
+              <a:t>Viabilidade do Projeto</a:t>
+            </a:r>
+          </a:p>
+          <a:p>
+            <a:pPr marL="628650" lvl="1" indent="-361950">
+              <a:spcBef>
+                <a:spcPts val="600"/>
+              </a:spcBef>
+              <a:spcAft>
+                <a:spcPts val="600"/>
+              </a:spcAft>
+              <a:buFont typeface="Arial" panose="020B0604020202020204" pitchFamily="34" charset="0"/>
+              <a:buChar char="•"/>
+            </a:pPr>
+            <a:r>
+              <a:rPr lang="pt-PT" sz="2400" dirty="0" smtClean="0"/>
+              <a:t>Requisitos</a:t>
+            </a:r>
+          </a:p>
+          <a:p>
+            <a:pPr marL="628650" lvl="1" indent="-361950">
+              <a:spcBef>
+                <a:spcPts val="600"/>
+              </a:spcBef>
+              <a:spcAft>
+                <a:spcPts val="600"/>
+              </a:spcAft>
+              <a:buFont typeface="Arial" panose="020B0604020202020204" pitchFamily="34" charset="0"/>
+              <a:buChar char="•"/>
+            </a:pPr>
+            <a:r>
+              <a:rPr lang="pt-PT" sz="2400" dirty="0" smtClean="0"/>
+              <a:t>Modelação</a:t>
+            </a:r>
+          </a:p>
+          <a:p>
+            <a:pPr marL="811530" lvl="2" indent="-361950">
+              <a:spcBef>
+                <a:spcPts val="600"/>
+              </a:spcBef>
+              <a:spcAft>
+                <a:spcPts val="600"/>
+              </a:spcAft>
+              <a:buFont typeface="Arial" panose="020B0604020202020204" pitchFamily="34" charset="0"/>
+              <a:buChar char="•"/>
+            </a:pPr>
+            <a:r>
+              <a:rPr lang="pt-PT" sz="2000" dirty="0" smtClean="0"/>
+              <a:t>Arquitetural – Domínio,  Casos de Uso, Diagramas de Sequência e de Atividade</a:t>
+            </a:r>
+          </a:p>
+          <a:p>
+            <a:pPr marL="811530" lvl="2" indent="-361950">
+              <a:spcBef>
+                <a:spcPts val="600"/>
+              </a:spcBef>
+              <a:spcAft>
+                <a:spcPts val="600"/>
+              </a:spcAft>
+              <a:buFont typeface="Arial" panose="020B0604020202020204" pitchFamily="34" charset="0"/>
+              <a:buChar char="•"/>
+            </a:pPr>
+            <a:r>
+              <a:rPr lang="pt-PT" sz="2000" dirty="0" smtClean="0"/>
+              <a:t>De Componentes – Diagrama de Classes</a:t>
+            </a:r>
+          </a:p>
+          <a:p>
+            <a:pPr marL="811530" lvl="2" indent="-361950">
+              <a:spcBef>
+                <a:spcPts val="600"/>
+              </a:spcBef>
+              <a:spcAft>
+                <a:spcPts val="600"/>
+              </a:spcAft>
+              <a:buFont typeface="Arial" panose="020B0604020202020204" pitchFamily="34" charset="0"/>
+              <a:buChar char="•"/>
+            </a:pPr>
+            <a:r>
+              <a:rPr lang="pt-PT" sz="2000" dirty="0" smtClean="0"/>
+              <a:t>Dados – Conceptual e Lógico</a:t>
+            </a:r>
+          </a:p>
+          <a:p>
+            <a:pPr marL="628650" lvl="1" indent="-361950">
+              <a:spcBef>
+                <a:spcPts val="600"/>
+              </a:spcBef>
+              <a:spcAft>
+                <a:spcPts val="600"/>
+              </a:spcAft>
+              <a:buFont typeface="Arial" panose="020B0604020202020204" pitchFamily="34" charset="0"/>
+              <a:buChar char="•"/>
+            </a:pPr>
+            <a:r>
+              <a:rPr lang="pt-PT" sz="2400" dirty="0" smtClean="0"/>
+              <a:t>Conclusão</a:t>
+            </a:r>
+            <a:endParaRPr lang="pt-PT" sz="2400" dirty="0"/>
+          </a:p>
+        </p:txBody>
+      </p:sp>
+      <p:sp>
+        <p:nvSpPr>
+          <p:cNvPr id="4" name="Espaço Reservado para Rodapé 3"/>
+          <p:cNvSpPr>
+            <a:spLocks noGrp="1"/>
+          </p:cNvSpPr>
+          <p:nvPr>
+            <p:ph type="ftr" sz="quarter" idx="11"/>
+          </p:nvPr>
+        </p:nvSpPr>
+        <p:spPr>
+          <a:xfrm>
+            <a:off x="-200015" y="6442570"/>
+            <a:ext cx="4822804" cy="365125"/>
+          </a:xfrm>
+        </p:spPr>
+        <p:txBody>
+          <a:bodyPr/>
+          <a:lstStyle/>
+          <a:p>
+            <a:r>
+              <a:rPr lang="pt-PT" dirty="0" smtClean="0"/>
+              <a:t>Laboratórios de Informática IV, ARIT-MAT</a:t>
+            </a:r>
+            <a:endParaRPr lang="pt-PT" dirty="0"/>
+          </a:p>
+        </p:txBody>
+      </p:sp>
+      <p:sp>
+        <p:nvSpPr>
+          <p:cNvPr id="5" name="Espaço Reservado para Número de Slide 4"/>
+          <p:cNvSpPr>
+            <a:spLocks noGrp="1"/>
+          </p:cNvSpPr>
+          <p:nvPr>
+            <p:ph type="sldNum" sz="quarter" idx="12"/>
+          </p:nvPr>
+        </p:nvSpPr>
+        <p:spPr/>
+        <p:txBody>
+          <a:bodyPr/>
+          <a:lstStyle/>
+          <a:p>
+            <a:fld id="{F5E7B6B6-7C4F-429D-94CF-F2CBE512B1EE}" type="slidenum">
+              <a:rPr lang="pt-PT" smtClean="0"/>
+              <a:t>2</a:t>
+            </a:fld>
+            <a:endParaRPr lang="pt-PT"/>
+          </a:p>
+        </p:txBody>
+      </p:sp>
+    </p:spTree>
+    <p:extLst>
+      <p:ext uri="{BB962C8B-B14F-4D97-AF65-F5344CB8AC3E}">
+        <p14:creationId xmlns:p14="http://schemas.microsoft.com/office/powerpoint/2010/main" val="1705040496"/>
+      </p:ext>
+    </p:extLst>
+  </p:cSld>
+  <p:clrMapOvr>
+    <a:masterClrMapping/>
+  </p:clrMapOvr>
+  <p:timing>
+    <p:tnLst>
+      <p:par>
+        <p:cTn id="1" dur="indefinite" restart="never" nodeType="tmRoot"/>
+      </p:par>
+    </p:tnLst>
+  </p:timing>
+</p:sld>
+</file>
+
+<file path=ppt/slides/slide3.xml><?xml version="1.0" encoding="utf-8"?>
+<p:sld xmlns:a="http://schemas.openxmlformats.org/drawingml/2006/main" xmlns:r="http://schemas.openxmlformats.org/officeDocument/2006/relationships" xmlns:p="http://schemas.openxmlformats.org/presentationml/2006/main">
+  <p:cSld>
+    <p:spTree>
+      <p:nvGrpSpPr>
+        <p:cNvPr id="1" name=""/>
+        <p:cNvGrpSpPr/>
+        <p:nvPr/>
+      </p:nvGrpSpPr>
+      <p:grpSpPr>
+        <a:xfrm>
+          <a:off x="0" y="0"/>
+          <a:ext cx="0" cy="0"/>
+          <a:chOff x="0" y="0"/>
+          <a:chExt cx="0" cy="0"/>
+        </a:xfrm>
+      </p:grpSpPr>
+      <p:sp>
+        <p:nvSpPr>
+          <p:cNvPr id="2" name="Título 1"/>
+          <p:cNvSpPr>
+            <a:spLocks noGrp="1"/>
+          </p:cNvSpPr>
+          <p:nvPr>
+            <p:ph type="title"/>
+          </p:nvPr>
+        </p:nvSpPr>
+        <p:spPr/>
+        <p:txBody>
+          <a:bodyPr/>
+          <a:lstStyle/>
+          <a:p>
+            <a:r>
+              <a:rPr lang="pt-PT" dirty="0" smtClean="0"/>
+              <a:t>Introdução</a:t>
+            </a:r>
+            <a:endParaRPr lang="pt-PT" dirty="0"/>
+          </a:p>
+        </p:txBody>
+      </p:sp>
+      <p:sp>
+        <p:nvSpPr>
+          <p:cNvPr id="3" name="Espaço Reservado para Conteúdo 2"/>
+          <p:cNvSpPr>
+            <a:spLocks noGrp="1"/>
+          </p:cNvSpPr>
+          <p:nvPr>
+            <p:ph idx="1"/>
+          </p:nvPr>
+        </p:nvSpPr>
+        <p:spPr/>
+        <p:txBody>
+          <a:bodyPr>
+            <a:normAutofit/>
+          </a:bodyPr>
+          <a:lstStyle/>
+          <a:p>
+            <a:pPr marL="628650" lvl="1" indent="-361950">
+              <a:spcBef>
+                <a:spcPts val="600"/>
+              </a:spcBef>
+              <a:spcAft>
+                <a:spcPts val="600"/>
+              </a:spcAft>
+              <a:buFont typeface="Arial" panose="020B0604020202020204" pitchFamily="34" charset="0"/>
+              <a:buChar char="•"/>
+            </a:pPr>
+            <a:endParaRPr lang="pt-PT" sz="2400" dirty="0" smtClean="0"/>
+          </a:p>
+          <a:p>
+            <a:pPr marL="628650" lvl="1" indent="-361950">
+              <a:spcBef>
+                <a:spcPts val="600"/>
+              </a:spcBef>
+              <a:spcAft>
+                <a:spcPts val="600"/>
+              </a:spcAft>
+              <a:buFont typeface="Arial" panose="020B0604020202020204" pitchFamily="34" charset="0"/>
+              <a:buChar char="•"/>
+            </a:pPr>
+            <a:r>
+              <a:rPr lang="pt-PT" sz="2400" dirty="0" smtClean="0"/>
+              <a:t>Ideia é viável? </a:t>
+            </a:r>
+          </a:p>
+          <a:p>
+            <a:pPr marL="628650" lvl="1" indent="-361950">
+              <a:spcBef>
+                <a:spcPts val="600"/>
+              </a:spcBef>
+              <a:spcAft>
+                <a:spcPts val="600"/>
+              </a:spcAft>
+              <a:buFont typeface="Arial" panose="020B0604020202020204" pitchFamily="34" charset="0"/>
+              <a:buChar char="•"/>
+            </a:pPr>
+            <a:r>
+              <a:rPr lang="pt-PT" sz="2400" dirty="0" smtClean="0"/>
+              <a:t>O que é ao certo necessário e requerido para esta aplicação?</a:t>
+            </a:r>
+          </a:p>
+          <a:p>
+            <a:pPr marL="628650" lvl="1" indent="-361950">
+              <a:spcBef>
+                <a:spcPts val="600"/>
+              </a:spcBef>
+              <a:spcAft>
+                <a:spcPts val="600"/>
+              </a:spcAft>
+              <a:buFont typeface="Arial" panose="020B0604020202020204" pitchFamily="34" charset="0"/>
+              <a:buChar char="•"/>
+            </a:pPr>
+            <a:endParaRPr lang="pt-PT" sz="2400" dirty="0"/>
+          </a:p>
+          <a:p>
+            <a:pPr marL="628650" lvl="1" indent="-361950">
+              <a:spcBef>
+                <a:spcPts val="600"/>
+              </a:spcBef>
+              <a:spcAft>
+                <a:spcPts val="600"/>
+              </a:spcAft>
+              <a:buFont typeface="Arial" panose="020B0604020202020204" pitchFamily="34" charset="0"/>
+              <a:buChar char="•"/>
+            </a:pPr>
+            <a:r>
+              <a:rPr lang="pt-PT" sz="2400" dirty="0" smtClean="0"/>
+              <a:t>Respostas levam à necessidade de especificação do produto e modelação da aplicação.</a:t>
+            </a:r>
+          </a:p>
+          <a:p>
+            <a:pPr marL="628650" lvl="1" indent="-361950">
+              <a:spcBef>
+                <a:spcPts val="600"/>
+              </a:spcBef>
+              <a:spcAft>
+                <a:spcPts val="600"/>
+              </a:spcAft>
+              <a:buFont typeface="Arial" panose="020B0604020202020204" pitchFamily="34" charset="0"/>
+              <a:buChar char="•"/>
+            </a:pPr>
+            <a:endParaRPr lang="pt-PT" sz="2000" dirty="0" smtClean="0"/>
+          </a:p>
+          <a:p>
+            <a:pPr marL="628650" lvl="1" indent="-361950">
+              <a:spcBef>
+                <a:spcPts val="600"/>
+              </a:spcBef>
+              <a:spcAft>
+                <a:spcPts val="600"/>
+              </a:spcAft>
+              <a:buFont typeface="Arial" panose="020B0604020202020204" pitchFamily="34" charset="0"/>
+              <a:buChar char="•"/>
+            </a:pPr>
+            <a:endParaRPr lang="pt-PT" sz="2400" dirty="0"/>
+          </a:p>
+        </p:txBody>
+      </p:sp>
+      <p:sp>
+        <p:nvSpPr>
+          <p:cNvPr id="4" name="Espaço Reservado para Rodapé 3"/>
+          <p:cNvSpPr>
+            <a:spLocks noGrp="1"/>
+          </p:cNvSpPr>
+          <p:nvPr>
+            <p:ph type="ftr" sz="quarter" idx="11"/>
+          </p:nvPr>
+        </p:nvSpPr>
+        <p:spPr>
+          <a:xfrm>
+            <a:off x="-200015" y="6442570"/>
+            <a:ext cx="4822804" cy="365125"/>
+          </a:xfrm>
+        </p:spPr>
+        <p:txBody>
+          <a:bodyPr/>
+          <a:lstStyle/>
+          <a:p>
+            <a:r>
+              <a:rPr lang="pt-PT" dirty="0" smtClean="0"/>
+              <a:t>Laboratórios de Informática IV, ARIT-MAT</a:t>
+            </a:r>
+            <a:endParaRPr lang="pt-PT" dirty="0"/>
+          </a:p>
+        </p:txBody>
+      </p:sp>
+      <p:sp>
+        <p:nvSpPr>
+          <p:cNvPr id="5" name="Espaço Reservado para Número de Slide 4"/>
+          <p:cNvSpPr>
+            <a:spLocks noGrp="1"/>
+          </p:cNvSpPr>
+          <p:nvPr>
+            <p:ph type="sldNum" sz="quarter" idx="12"/>
+          </p:nvPr>
+        </p:nvSpPr>
+        <p:spPr/>
+        <p:txBody>
+          <a:bodyPr/>
+          <a:lstStyle/>
+          <a:p>
+            <a:fld id="{F5E7B6B6-7C4F-429D-94CF-F2CBE512B1EE}" type="slidenum">
+              <a:rPr lang="pt-PT" smtClean="0"/>
+              <a:t>3</a:t>
+            </a:fld>
+            <a:endParaRPr lang="pt-PT"/>
+          </a:p>
+        </p:txBody>
+      </p:sp>
+    </p:spTree>
+    <p:extLst>
+      <p:ext uri="{BB962C8B-B14F-4D97-AF65-F5344CB8AC3E}">
+        <p14:creationId xmlns:p14="http://schemas.microsoft.com/office/powerpoint/2010/main" val="1836855284"/>
+      </p:ext>
+    </p:extLst>
+  </p:cSld>
+  <p:clrMapOvr>
+    <a:masterClrMapping/>
+  </p:clrMapOvr>
+  <p:timing>
+    <p:tnLst>
+      <p:par>
+        <p:cTn id="1" dur="indefinite" restart="never" nodeType="tmRoot"/>
+      </p:par>
+    </p:tnLst>
+  </p:timing>
+</p:sld>
+</file>
+
+<file path=ppt/slides/slide4.xml><?xml version="1.0" encoding="utf-8"?>
+<p:sld xmlns:a="http://schemas.openxmlformats.org/drawingml/2006/main" xmlns:r="http://schemas.openxmlformats.org/officeDocument/2006/relationships" xmlns:p="http://schemas.openxmlformats.org/presentationml/2006/main">
+  <p:cSld>
+    <p:spTree>
+      <p:nvGrpSpPr>
+        <p:cNvPr id="1" name=""/>
+        <p:cNvGrpSpPr/>
+        <p:nvPr/>
+      </p:nvGrpSpPr>
+      <p:grpSpPr>
+        <a:xfrm>
+          <a:off x="0" y="0"/>
+          <a:ext cx="0" cy="0"/>
+          <a:chOff x="0" y="0"/>
+          <a:chExt cx="0" cy="0"/>
+        </a:xfrm>
+      </p:grpSpPr>
+      <p:sp>
+        <p:nvSpPr>
+          <p:cNvPr id="2" name="Título 1"/>
+          <p:cNvSpPr>
+            <a:spLocks noGrp="1"/>
+          </p:cNvSpPr>
+          <p:nvPr>
+            <p:ph type="title"/>
+          </p:nvPr>
+        </p:nvSpPr>
+        <p:spPr/>
+        <p:txBody>
+          <a:bodyPr/>
+          <a:lstStyle/>
+          <a:p>
+            <a:r>
+              <a:rPr lang="pt-PT" dirty="0" smtClean="0"/>
+              <a:t>Análise de Viabilidade</a:t>
+            </a:r>
+            <a:endParaRPr lang="pt-PT" dirty="0"/>
+          </a:p>
+        </p:txBody>
+      </p:sp>
+      <p:sp>
+        <p:nvSpPr>
+          <p:cNvPr id="3" name="Espaço Reservado para Conteúdo 2"/>
+          <p:cNvSpPr>
+            <a:spLocks noGrp="1"/>
+          </p:cNvSpPr>
+          <p:nvPr>
+            <p:ph idx="1"/>
+          </p:nvPr>
+        </p:nvSpPr>
+        <p:spPr/>
+        <p:txBody>
+          <a:bodyPr>
+            <a:normAutofit/>
+          </a:bodyPr>
+          <a:lstStyle/>
+          <a:p>
+            <a:pPr marL="628650" lvl="1" indent="-361950">
+              <a:spcBef>
+                <a:spcPts val="600"/>
+              </a:spcBef>
+              <a:spcAft>
+                <a:spcPts val="600"/>
+              </a:spcAft>
+              <a:buFont typeface="Arial" panose="020B0604020202020204" pitchFamily="34" charset="0"/>
+              <a:buChar char="•"/>
+            </a:pPr>
+            <a:r>
+              <a:rPr lang="pt-PT" sz="2800" dirty="0" smtClean="0"/>
+              <a:t>Viabilidade</a:t>
+            </a:r>
+          </a:p>
+          <a:p>
+            <a:pPr marL="811530" lvl="2" indent="-361950">
+              <a:spcBef>
+                <a:spcPts val="600"/>
+              </a:spcBef>
+              <a:spcAft>
+                <a:spcPts val="600"/>
+              </a:spcAft>
+              <a:buFont typeface="Arial" panose="020B0604020202020204" pitchFamily="34" charset="0"/>
+              <a:buChar char="•"/>
+            </a:pPr>
+            <a:r>
+              <a:rPr lang="pt-PT" sz="2400" dirty="0" smtClean="0"/>
+              <a:t>Operacional – a solução é adequada?</a:t>
+            </a:r>
+          </a:p>
+          <a:p>
+            <a:pPr marL="811530" lvl="2" indent="-361950">
+              <a:spcBef>
+                <a:spcPts val="600"/>
+              </a:spcBef>
+              <a:spcAft>
+                <a:spcPts val="600"/>
+              </a:spcAft>
+              <a:buFont typeface="Arial" panose="020B0604020202020204" pitchFamily="34" charset="0"/>
+              <a:buChar char="•"/>
+            </a:pPr>
+            <a:r>
+              <a:rPr lang="pt-PT" sz="2400" dirty="0" smtClean="0"/>
+              <a:t>Técnica – existe o conhecimento necessário ao desenvolvimento?</a:t>
+            </a:r>
+          </a:p>
+          <a:p>
+            <a:pPr marL="811530" lvl="2" indent="-361950">
+              <a:spcBef>
+                <a:spcPts val="600"/>
+              </a:spcBef>
+              <a:spcAft>
+                <a:spcPts val="600"/>
+              </a:spcAft>
+              <a:buFont typeface="Arial" panose="020B0604020202020204" pitchFamily="34" charset="0"/>
+              <a:buChar char="•"/>
+            </a:pPr>
+            <a:r>
+              <a:rPr lang="pt-PT" sz="2400" dirty="0" smtClean="0"/>
+              <a:t>De Cronograma – é passível a conclusão dentro dos prazos de entrega?</a:t>
+            </a:r>
+          </a:p>
+          <a:p>
+            <a:pPr marL="811530" lvl="2" indent="-361950">
+              <a:spcBef>
+                <a:spcPts val="600"/>
+              </a:spcBef>
+              <a:spcAft>
+                <a:spcPts val="600"/>
+              </a:spcAft>
+              <a:buFont typeface="Arial" panose="020B0604020202020204" pitchFamily="34" charset="0"/>
+              <a:buChar char="•"/>
+            </a:pPr>
+            <a:r>
+              <a:rPr lang="pt-PT" sz="2400" dirty="0" smtClean="0"/>
+              <a:t>Económica – lucro compensa o custo?</a:t>
+            </a:r>
+          </a:p>
+          <a:p>
+            <a:pPr marL="811530" lvl="2" indent="-361950">
+              <a:spcBef>
+                <a:spcPts val="600"/>
+              </a:spcBef>
+              <a:spcAft>
+                <a:spcPts val="600"/>
+              </a:spcAft>
+              <a:buFont typeface="Arial" panose="020B0604020202020204" pitchFamily="34" charset="0"/>
+              <a:buChar char="•"/>
+            </a:pPr>
+            <a:endParaRPr lang="pt-PT" sz="2400" dirty="0" smtClean="0"/>
+          </a:p>
+          <a:p>
+            <a:pPr marL="811530" lvl="2" indent="-361950">
+              <a:spcBef>
+                <a:spcPts val="600"/>
+              </a:spcBef>
+              <a:spcAft>
+                <a:spcPts val="600"/>
+              </a:spcAft>
+              <a:buFont typeface="Arial" panose="020B0604020202020204" pitchFamily="34" charset="0"/>
+              <a:buChar char="•"/>
+            </a:pPr>
+            <a:endParaRPr lang="pt-PT" sz="2400" dirty="0" smtClean="0"/>
+          </a:p>
+          <a:p>
+            <a:pPr marL="811530" lvl="2" indent="-361950">
+              <a:spcBef>
+                <a:spcPts val="600"/>
+              </a:spcBef>
+              <a:spcAft>
+                <a:spcPts val="600"/>
+              </a:spcAft>
+              <a:buFont typeface="Arial" panose="020B0604020202020204" pitchFamily="34" charset="0"/>
+              <a:buChar char="•"/>
+            </a:pPr>
+            <a:endParaRPr lang="pt-PT" sz="2400" dirty="0" smtClean="0"/>
+          </a:p>
+          <a:p>
+            <a:pPr marL="811530" lvl="2" indent="-361950">
+              <a:spcBef>
+                <a:spcPts val="600"/>
+              </a:spcBef>
+              <a:spcAft>
+                <a:spcPts val="600"/>
+              </a:spcAft>
+              <a:buFont typeface="Arial" panose="020B0604020202020204" pitchFamily="34" charset="0"/>
+              <a:buChar char="•"/>
+            </a:pPr>
+            <a:endParaRPr lang="pt-PT" dirty="0"/>
+          </a:p>
+        </p:txBody>
+      </p:sp>
+      <p:sp>
+        <p:nvSpPr>
+          <p:cNvPr id="4" name="Espaço Reservado para Rodapé 3"/>
+          <p:cNvSpPr>
+            <a:spLocks noGrp="1"/>
+          </p:cNvSpPr>
+          <p:nvPr>
+            <p:ph type="ftr" sz="quarter" idx="11"/>
+          </p:nvPr>
+        </p:nvSpPr>
+        <p:spPr>
+          <a:xfrm>
+            <a:off x="-200015" y="6442570"/>
+            <a:ext cx="4822804" cy="365125"/>
+          </a:xfrm>
+        </p:spPr>
+        <p:txBody>
+          <a:bodyPr/>
+          <a:lstStyle/>
+          <a:p>
+            <a:r>
+              <a:rPr lang="pt-PT" dirty="0" smtClean="0"/>
+              <a:t>Laboratórios de Informática IV, ARIT-MAT</a:t>
+            </a:r>
+            <a:endParaRPr lang="pt-PT" dirty="0"/>
+          </a:p>
+        </p:txBody>
+      </p:sp>
+      <p:sp>
+        <p:nvSpPr>
+          <p:cNvPr id="5" name="Espaço Reservado para Número de Slide 4"/>
+          <p:cNvSpPr>
+            <a:spLocks noGrp="1"/>
+          </p:cNvSpPr>
+          <p:nvPr>
+            <p:ph type="sldNum" sz="quarter" idx="12"/>
+          </p:nvPr>
+        </p:nvSpPr>
+        <p:spPr/>
+        <p:txBody>
+          <a:bodyPr/>
+          <a:lstStyle/>
+          <a:p>
+            <a:fld id="{F5E7B6B6-7C4F-429D-94CF-F2CBE512B1EE}" type="slidenum">
+              <a:rPr lang="pt-PT" smtClean="0"/>
+              <a:t>4</a:t>
+            </a:fld>
+            <a:endParaRPr lang="pt-PT"/>
+          </a:p>
+        </p:txBody>
+      </p:sp>
+    </p:spTree>
+    <p:extLst>
+      <p:ext uri="{BB962C8B-B14F-4D97-AF65-F5344CB8AC3E}">
+        <p14:creationId xmlns:p14="http://schemas.microsoft.com/office/powerpoint/2010/main" val="194007887"/>
+      </p:ext>
+    </p:extLst>
+  </p:cSld>
+  <p:clrMapOvr>
+    <a:masterClrMapping/>
+  </p:clrMapOvr>
+  <p:timing>
+    <p:tnLst>
+      <p:par>
+        <p:cTn id="1" dur="indefinite" restart="never" nodeType="tmRoot"/>
+      </p:par>
+    </p:tnLst>
+  </p:timing>
+</p:sld>
+</file>
+
+<file path=ppt/slides/slide5.xml><?xml version="1.0" encoding="utf-8"?>
+<p:sld xmlns:a="http://schemas.openxmlformats.org/drawingml/2006/main" xmlns:r="http://schemas.openxmlformats.org/officeDocument/2006/relationships" xmlns:p="http://schemas.openxmlformats.org/presentationml/2006/main">
+  <p:cSld>
+    <p:spTree>
+      <p:nvGrpSpPr>
+        <p:cNvPr id="1" name=""/>
+        <p:cNvGrpSpPr/>
+        <p:nvPr/>
+      </p:nvGrpSpPr>
+      <p:grpSpPr>
+        <a:xfrm>
+          <a:off x="0" y="0"/>
+          <a:ext cx="0" cy="0"/>
+          <a:chOff x="0" y="0"/>
+          <a:chExt cx="0" cy="0"/>
+        </a:xfrm>
+      </p:grpSpPr>
+      <p:sp>
+        <p:nvSpPr>
+          <p:cNvPr id="2" name="Título 1"/>
+          <p:cNvSpPr>
+            <a:spLocks noGrp="1"/>
+          </p:cNvSpPr>
+          <p:nvPr>
+            <p:ph type="title"/>
+          </p:nvPr>
+        </p:nvSpPr>
+        <p:spPr/>
+        <p:txBody>
+          <a:bodyPr/>
+          <a:lstStyle/>
+          <a:p>
+            <a:r>
+              <a:rPr lang="pt-PT" dirty="0" smtClean="0"/>
+              <a:t>Levantamento de Requisitos</a:t>
+            </a:r>
+            <a:endParaRPr lang="pt-PT" dirty="0"/>
+          </a:p>
+        </p:txBody>
+      </p:sp>
+      <p:sp>
+        <p:nvSpPr>
+          <p:cNvPr id="3" name="Espaço Reservado para Conteúdo 2"/>
+          <p:cNvSpPr>
+            <a:spLocks noGrp="1"/>
+          </p:cNvSpPr>
+          <p:nvPr>
+            <p:ph idx="1"/>
+          </p:nvPr>
+        </p:nvSpPr>
+        <p:spPr/>
+        <p:txBody>
+          <a:bodyPr>
+            <a:normAutofit lnSpcReduction="10000"/>
+          </a:bodyPr>
+          <a:lstStyle/>
+          <a:p>
+            <a:pPr marL="342900" lvl="1" indent="-342900">
+              <a:spcBef>
+                <a:spcPts val="1200"/>
+              </a:spcBef>
+              <a:spcAft>
+                <a:spcPts val="200"/>
+              </a:spcAft>
+              <a:buSzPct val="100000"/>
+              <a:buFont typeface="Arial" panose="020B0604020202020204" pitchFamily="34" charset="0"/>
+              <a:buChar char="•"/>
+            </a:pPr>
+            <a:r>
+              <a:rPr lang="pt-PT" sz="2800" dirty="0" smtClean="0"/>
+              <a:t> Funcionais</a:t>
+            </a:r>
+          </a:p>
+          <a:p>
+            <a:pPr marL="525780" lvl="2" indent="-342900">
+              <a:spcBef>
+                <a:spcPts val="1200"/>
+              </a:spcBef>
+              <a:spcAft>
+                <a:spcPts val="200"/>
+              </a:spcAft>
+              <a:buSzPct val="100000"/>
+              <a:buFont typeface="Arial" panose="020B0604020202020204" pitchFamily="34" charset="0"/>
+              <a:buChar char="•"/>
+            </a:pPr>
+            <a:r>
+              <a:rPr lang="pt-PT" sz="2400" dirty="0" smtClean="0"/>
+              <a:t>Armazenar informação sobre estudantes, exercícios, lições, </a:t>
+            </a:r>
+            <a:r>
+              <a:rPr lang="pt-PT" sz="2400" dirty="0" err="1" smtClean="0"/>
+              <a:t>etc</a:t>
+            </a:r>
+            <a:r>
+              <a:rPr lang="pt-PT" sz="2400" dirty="0" smtClean="0"/>
+              <a:t>;</a:t>
+            </a:r>
+          </a:p>
+          <a:p>
+            <a:pPr marL="525780" lvl="2" indent="-342900">
+              <a:spcBef>
+                <a:spcPts val="1200"/>
+              </a:spcBef>
+              <a:spcAft>
+                <a:spcPts val="200"/>
+              </a:spcAft>
+              <a:buSzPct val="100000"/>
+              <a:buFont typeface="Arial" panose="020B0604020202020204" pitchFamily="34" charset="0"/>
+              <a:buChar char="•"/>
+            </a:pPr>
+            <a:r>
+              <a:rPr lang="pt-PT" sz="2400" dirty="0" smtClean="0"/>
+              <a:t>Suportar um modelo de ensino;</a:t>
+            </a:r>
+          </a:p>
+          <a:p>
+            <a:pPr marL="525780" lvl="2" indent="-342900">
+              <a:spcBef>
+                <a:spcPts val="1200"/>
+              </a:spcBef>
+              <a:spcAft>
+                <a:spcPts val="200"/>
+              </a:spcAft>
+              <a:buSzPct val="100000"/>
+              <a:buFont typeface="Arial" panose="020B0604020202020204" pitchFamily="34" charset="0"/>
+              <a:buChar char="•"/>
+            </a:pPr>
+            <a:r>
+              <a:rPr lang="pt-PT" sz="2400" dirty="0" smtClean="0"/>
+              <a:t>Armazenar histórico de aprendizagem e estatísticas;</a:t>
+            </a:r>
+          </a:p>
+          <a:p>
+            <a:pPr marL="525780" lvl="2" indent="-342900">
+              <a:spcBef>
+                <a:spcPts val="1200"/>
+              </a:spcBef>
+              <a:spcAft>
+                <a:spcPts val="200"/>
+              </a:spcAft>
+              <a:buSzPct val="100000"/>
+              <a:buFont typeface="Arial" panose="020B0604020202020204" pitchFamily="34" charset="0"/>
+              <a:buChar char="•"/>
+            </a:pPr>
+            <a:r>
+              <a:rPr lang="pt-PT" sz="2400" dirty="0" smtClean="0"/>
+              <a:t>Associar exercícios a lições e testes, permitir a realização destes aos alunos</a:t>
+            </a:r>
+            <a:r>
+              <a:rPr lang="pt-PT" sz="2400" dirty="0" smtClean="0"/>
+              <a:t>;</a:t>
+            </a:r>
+          </a:p>
+          <a:p>
+            <a:pPr marL="525780" lvl="2" indent="-342900">
+              <a:spcBef>
+                <a:spcPts val="1200"/>
+              </a:spcBef>
+              <a:spcAft>
+                <a:spcPts val="200"/>
+              </a:spcAft>
+              <a:buSzPct val="100000"/>
+              <a:buFont typeface="Arial" panose="020B0604020202020204" pitchFamily="34" charset="0"/>
+              <a:buChar char="•"/>
+            </a:pPr>
+            <a:r>
+              <a:rPr lang="pt-PT" sz="2400" dirty="0" smtClean="0"/>
+              <a:t>…</a:t>
+            </a:r>
+            <a:endParaRPr lang="pt-PT" sz="2400" dirty="0" smtClean="0"/>
+          </a:p>
+          <a:p>
+            <a:pPr marL="342900" lvl="1" indent="-342900">
+              <a:spcBef>
+                <a:spcPts val="1200"/>
+              </a:spcBef>
+              <a:spcAft>
+                <a:spcPts val="200"/>
+              </a:spcAft>
+              <a:buSzPct val="100000"/>
+              <a:buFont typeface="Arial" panose="020B0604020202020204" pitchFamily="34" charset="0"/>
+              <a:buChar char="•"/>
+            </a:pPr>
+            <a:r>
+              <a:rPr lang="pt-PT" sz="2800" dirty="0" smtClean="0"/>
+              <a:t>Não Funcionais</a:t>
+            </a:r>
+          </a:p>
+          <a:p>
+            <a:pPr marL="525780" lvl="2" indent="-342900">
+              <a:spcBef>
+                <a:spcPts val="1200"/>
+              </a:spcBef>
+              <a:spcAft>
+                <a:spcPts val="200"/>
+              </a:spcAft>
+              <a:buSzPct val="100000"/>
+              <a:buFont typeface="Arial" panose="020B0604020202020204" pitchFamily="34" charset="0"/>
+              <a:buChar char="•"/>
+            </a:pPr>
+            <a:r>
+              <a:rPr lang="pt-PT" sz="2400" dirty="0" smtClean="0"/>
+              <a:t>Tempos máximos de exposição, escala de dificuldades, </a:t>
+            </a:r>
+            <a:r>
+              <a:rPr lang="pt-PT" sz="2400" dirty="0" err="1" smtClean="0"/>
+              <a:t>etc</a:t>
+            </a:r>
+            <a:r>
+              <a:rPr lang="pt-PT" sz="2400" dirty="0" smtClean="0"/>
+              <a:t>;</a:t>
+            </a:r>
+          </a:p>
+          <a:p>
+            <a:pPr marL="525780" lvl="2" indent="-342900">
+              <a:spcBef>
+                <a:spcPts val="1200"/>
+              </a:spcBef>
+              <a:spcAft>
+                <a:spcPts val="200"/>
+              </a:spcAft>
+              <a:buSzPct val="100000"/>
+              <a:buFont typeface="Arial" panose="020B0604020202020204" pitchFamily="34" charset="0"/>
+              <a:buChar char="•"/>
+            </a:pPr>
+            <a:endParaRPr lang="pt-PT" sz="2400" dirty="0" smtClean="0"/>
+          </a:p>
+          <a:p>
+            <a:pPr marL="342900" lvl="1" indent="-342900">
+              <a:spcBef>
+                <a:spcPts val="1200"/>
+              </a:spcBef>
+              <a:spcAft>
+                <a:spcPts val="200"/>
+              </a:spcAft>
+              <a:buSzPct val="100000"/>
+              <a:buFont typeface="Arial" panose="020B0604020202020204" pitchFamily="34" charset="0"/>
+              <a:buChar char="•"/>
+            </a:pPr>
+            <a:endParaRPr lang="pt-PT" sz="2800" dirty="0" smtClean="0"/>
+          </a:p>
+          <a:p>
+            <a:pPr marL="0" lvl="1" indent="0">
+              <a:spcBef>
+                <a:spcPts val="1200"/>
+              </a:spcBef>
+              <a:spcAft>
+                <a:spcPts val="200"/>
+              </a:spcAft>
+              <a:buSzPct val="100000"/>
+              <a:buNone/>
+            </a:pPr>
+            <a:endParaRPr lang="pt-PT" sz="2400" dirty="0" smtClean="0"/>
+          </a:p>
+          <a:p>
+            <a:pPr marL="0" lvl="1" indent="0">
+              <a:spcBef>
+                <a:spcPts val="1200"/>
+              </a:spcBef>
+              <a:spcAft>
+                <a:spcPts val="200"/>
+              </a:spcAft>
+              <a:buSzPct val="100000"/>
+              <a:buNone/>
+            </a:pPr>
+            <a:endParaRPr lang="pt-PT" sz="2400" dirty="0" smtClean="0"/>
+          </a:p>
+          <a:p>
+            <a:endParaRPr lang="pt-PT" dirty="0"/>
+          </a:p>
+        </p:txBody>
+      </p:sp>
+      <p:sp>
+        <p:nvSpPr>
+          <p:cNvPr id="4" name="Espaço Reservado para Rodapé 3"/>
+          <p:cNvSpPr>
+            <a:spLocks noGrp="1"/>
+          </p:cNvSpPr>
+          <p:nvPr>
+            <p:ph type="ftr" sz="quarter" idx="11"/>
+          </p:nvPr>
+        </p:nvSpPr>
+        <p:spPr>
+          <a:xfrm>
+            <a:off x="-200015" y="6442570"/>
+            <a:ext cx="4822804" cy="365125"/>
+          </a:xfrm>
+        </p:spPr>
+        <p:txBody>
+          <a:bodyPr/>
+          <a:lstStyle/>
+          <a:p>
+            <a:r>
+              <a:rPr lang="pt-PT" dirty="0" smtClean="0"/>
+              <a:t>Laboratórios de Informática IV, ARIT-MAT</a:t>
+            </a:r>
+            <a:endParaRPr lang="pt-PT" dirty="0"/>
+          </a:p>
+        </p:txBody>
+      </p:sp>
+      <p:sp>
+        <p:nvSpPr>
+          <p:cNvPr id="5" name="Espaço Reservado para Número de Slide 4"/>
+          <p:cNvSpPr>
+            <a:spLocks noGrp="1"/>
+          </p:cNvSpPr>
+          <p:nvPr>
+            <p:ph type="sldNum" sz="quarter" idx="12"/>
+          </p:nvPr>
+        </p:nvSpPr>
+        <p:spPr/>
+        <p:txBody>
+          <a:bodyPr/>
+          <a:lstStyle/>
+          <a:p>
+            <a:fld id="{F5E7B6B6-7C4F-429D-94CF-F2CBE512B1EE}" type="slidenum">
+              <a:rPr lang="pt-PT" smtClean="0"/>
+              <a:t>5</a:t>
+            </a:fld>
+            <a:endParaRPr lang="pt-PT"/>
+          </a:p>
+        </p:txBody>
+      </p:sp>
+    </p:spTree>
+    <p:extLst>
+      <p:ext uri="{BB962C8B-B14F-4D97-AF65-F5344CB8AC3E}">
+        <p14:creationId xmlns:p14="http://schemas.microsoft.com/office/powerpoint/2010/main" val="3086288907"/>
+      </p:ext>
+    </p:extLst>
+  </p:cSld>
+  <p:clrMapOvr>
+    <a:masterClrMapping/>
+  </p:clrMapOvr>
+  <p:timing>
+    <p:tnLst>
+      <p:par>
+        <p:cTn id="1" dur="indefinite" restart="never" nodeType="tmRoot"/>
+      </p:par>
+    </p:tnLst>
+  </p:timing>
+</p:sld>
+</file>
+
+<file path=ppt/slides/slide6.xml><?xml version="1.0" encoding="utf-8"?>
+<p:sld xmlns:a="http://schemas.openxmlformats.org/drawingml/2006/main" xmlns:r="http://schemas.openxmlformats.org/officeDocument/2006/relationships" xmlns:p="http://schemas.openxmlformats.org/presentationml/2006/main">
+  <p:cSld>
+    <p:spTree>
+      <p:nvGrpSpPr>
+        <p:cNvPr id="1" name=""/>
+        <p:cNvGrpSpPr/>
+        <p:nvPr/>
+      </p:nvGrpSpPr>
+      <p:grpSpPr>
+        <a:xfrm>
+          <a:off x="0" y="0"/>
+          <a:ext cx="0" cy="0"/>
+          <a:chOff x="0" y="0"/>
+          <a:chExt cx="0" cy="0"/>
+        </a:xfrm>
+      </p:grpSpPr>
+      <p:sp>
+        <p:nvSpPr>
+          <p:cNvPr id="2" name="Título 1"/>
+          <p:cNvSpPr>
+            <a:spLocks noGrp="1"/>
+          </p:cNvSpPr>
+          <p:nvPr>
+            <p:ph type="title"/>
+          </p:nvPr>
+        </p:nvSpPr>
+        <p:spPr/>
+        <p:txBody>
+          <a:bodyPr/>
+          <a:lstStyle/>
+          <a:p>
+            <a:r>
+              <a:rPr lang="pt-PT" dirty="0" smtClean="0"/>
+              <a:t>Modelação</a:t>
+            </a:r>
+            <a:endParaRPr lang="pt-PT" dirty="0"/>
+          </a:p>
+        </p:txBody>
+      </p:sp>
+      <p:sp>
+        <p:nvSpPr>
+          <p:cNvPr id="3" name="Espaço Reservado para Conteúdo 2"/>
+          <p:cNvSpPr>
+            <a:spLocks noGrp="1"/>
+          </p:cNvSpPr>
+          <p:nvPr>
+            <p:ph idx="1"/>
+          </p:nvPr>
+        </p:nvSpPr>
+        <p:spPr/>
+        <p:txBody>
+          <a:bodyPr>
+            <a:normAutofit fontScale="85000" lnSpcReduction="20000"/>
+          </a:bodyPr>
+          <a:lstStyle/>
+          <a:p>
+            <a:pPr marL="342900" lvl="1" indent="-342900">
+              <a:spcBef>
+                <a:spcPts val="1200"/>
+              </a:spcBef>
+              <a:spcAft>
+                <a:spcPts val="200"/>
+              </a:spcAft>
+              <a:buSzPct val="100000"/>
+              <a:buFont typeface="Arial" panose="020B0604020202020204" pitchFamily="34" charset="0"/>
+              <a:buChar char="•"/>
+            </a:pPr>
+            <a:r>
+              <a:rPr lang="pt-PT" sz="2800" dirty="0"/>
+              <a:t> </a:t>
+            </a:r>
+            <a:r>
+              <a:rPr lang="pt-PT" sz="2800" dirty="0" smtClean="0"/>
+              <a:t>Arquitetural</a:t>
+            </a:r>
+          </a:p>
+          <a:p>
+            <a:pPr marL="525780" lvl="2" indent="-342900">
+              <a:spcBef>
+                <a:spcPts val="1200"/>
+              </a:spcBef>
+              <a:spcAft>
+                <a:spcPts val="200"/>
+              </a:spcAft>
+              <a:buSzPct val="100000"/>
+              <a:buFont typeface="Arial" panose="020B0604020202020204" pitchFamily="34" charset="0"/>
+              <a:buChar char="•"/>
+            </a:pPr>
+            <a:r>
+              <a:rPr lang="pt-PT" sz="2400" dirty="0" smtClean="0"/>
+              <a:t>Modelo de Domínio </a:t>
+            </a:r>
+          </a:p>
+          <a:p>
+            <a:pPr marL="525780" lvl="2" indent="-342900">
+              <a:spcBef>
+                <a:spcPts val="1200"/>
+              </a:spcBef>
+              <a:spcAft>
+                <a:spcPts val="200"/>
+              </a:spcAft>
+              <a:buSzPct val="100000"/>
+              <a:buFont typeface="Arial" panose="020B0604020202020204" pitchFamily="34" charset="0"/>
+              <a:buChar char="•"/>
+            </a:pPr>
+            <a:r>
+              <a:rPr lang="pt-PT" sz="2400" i="1" dirty="0" smtClean="0"/>
+              <a:t>Use Cases</a:t>
+            </a:r>
+          </a:p>
+          <a:p>
+            <a:pPr marL="525780" lvl="2" indent="-342900">
+              <a:spcBef>
+                <a:spcPts val="1200"/>
+              </a:spcBef>
+              <a:spcAft>
+                <a:spcPts val="200"/>
+              </a:spcAft>
+              <a:buSzPct val="100000"/>
+              <a:buFont typeface="Arial" panose="020B0604020202020204" pitchFamily="34" charset="0"/>
+              <a:buChar char="•"/>
+            </a:pPr>
+            <a:r>
+              <a:rPr lang="pt-PT" sz="2400" dirty="0" smtClean="0"/>
+              <a:t>Diagramas de Sequência </a:t>
+            </a:r>
+          </a:p>
+          <a:p>
+            <a:pPr marL="525780" lvl="2" indent="-342900">
+              <a:spcBef>
+                <a:spcPts val="1200"/>
+              </a:spcBef>
+              <a:spcAft>
+                <a:spcPts val="200"/>
+              </a:spcAft>
+              <a:buSzPct val="100000"/>
+              <a:buFont typeface="Arial" panose="020B0604020202020204" pitchFamily="34" charset="0"/>
+              <a:buChar char="•"/>
+            </a:pPr>
+            <a:r>
+              <a:rPr lang="pt-PT" sz="2400" dirty="0" smtClean="0"/>
+              <a:t>Diagramas de Atividade</a:t>
+            </a:r>
+          </a:p>
+          <a:p>
+            <a:pPr marL="342900" lvl="1" indent="-342900">
+              <a:spcBef>
+                <a:spcPts val="1200"/>
+              </a:spcBef>
+              <a:spcAft>
+                <a:spcPts val="200"/>
+              </a:spcAft>
+              <a:buSzPct val="100000"/>
+              <a:buFont typeface="Arial" panose="020B0604020202020204" pitchFamily="34" charset="0"/>
+              <a:buChar char="•"/>
+            </a:pPr>
+            <a:r>
+              <a:rPr lang="pt-PT" sz="2800" dirty="0" smtClean="0"/>
+              <a:t>De Componentes</a:t>
+            </a:r>
+          </a:p>
+          <a:p>
+            <a:pPr marL="525780" lvl="2" indent="-342900">
+              <a:spcBef>
+                <a:spcPts val="1200"/>
+              </a:spcBef>
+              <a:spcAft>
+                <a:spcPts val="200"/>
+              </a:spcAft>
+              <a:buSzPct val="100000"/>
+              <a:buFont typeface="Arial" panose="020B0604020202020204" pitchFamily="34" charset="0"/>
+              <a:buChar char="•"/>
+            </a:pPr>
+            <a:r>
+              <a:rPr lang="pt-PT" sz="2400" dirty="0" smtClean="0"/>
+              <a:t>Diagrama de Classes</a:t>
+            </a:r>
+          </a:p>
+          <a:p>
+            <a:pPr marL="342900" lvl="1" indent="-342900">
+              <a:spcBef>
+                <a:spcPts val="1200"/>
+              </a:spcBef>
+              <a:spcAft>
+                <a:spcPts val="200"/>
+              </a:spcAft>
+              <a:buSzPct val="100000"/>
+              <a:buFont typeface="Arial" panose="020B0604020202020204" pitchFamily="34" charset="0"/>
+              <a:buChar char="•"/>
+            </a:pPr>
+            <a:r>
+              <a:rPr lang="pt-PT" sz="2800" dirty="0" smtClean="0"/>
+              <a:t>De Dados</a:t>
+            </a:r>
+          </a:p>
+          <a:p>
+            <a:pPr marL="525780" lvl="2" indent="-342900">
+              <a:spcBef>
+                <a:spcPts val="1200"/>
+              </a:spcBef>
+              <a:spcAft>
+                <a:spcPts val="200"/>
+              </a:spcAft>
+              <a:buSzPct val="100000"/>
+              <a:buFont typeface="Arial" panose="020B0604020202020204" pitchFamily="34" charset="0"/>
+              <a:buChar char="•"/>
+            </a:pPr>
+            <a:r>
+              <a:rPr lang="pt-PT" sz="2400" dirty="0" smtClean="0"/>
+              <a:t>Modelo Concetual</a:t>
+            </a:r>
+          </a:p>
+          <a:p>
+            <a:pPr marL="525780" lvl="2" indent="-342900">
+              <a:spcBef>
+                <a:spcPts val="1200"/>
+              </a:spcBef>
+              <a:spcAft>
+                <a:spcPts val="200"/>
+              </a:spcAft>
+              <a:buSzPct val="100000"/>
+              <a:buFont typeface="Arial" panose="020B0604020202020204" pitchFamily="34" charset="0"/>
+              <a:buChar char="•"/>
+            </a:pPr>
+            <a:r>
+              <a:rPr lang="pt-PT" sz="2400" dirty="0" smtClean="0"/>
+              <a:t>Modelo Lógico</a:t>
+            </a:r>
+            <a:endParaRPr lang="pt-PT" sz="2400" dirty="0"/>
+          </a:p>
+          <a:p>
+            <a:pPr marL="342900" lvl="1" indent="-342900">
+              <a:spcBef>
+                <a:spcPts val="1200"/>
+              </a:spcBef>
+              <a:spcAft>
+                <a:spcPts val="200"/>
+              </a:spcAft>
+              <a:buSzPct val="100000"/>
+              <a:buFont typeface="Arial" panose="020B0604020202020204" pitchFamily="34" charset="0"/>
+              <a:buChar char="•"/>
+            </a:pPr>
+            <a:endParaRPr lang="pt-PT" sz="2400" dirty="0" smtClean="0"/>
+          </a:p>
+          <a:p>
+            <a:endParaRPr lang="pt-PT" dirty="0" smtClean="0"/>
+          </a:p>
+          <a:p>
+            <a:endParaRPr lang="pt-PT" dirty="0"/>
+          </a:p>
+        </p:txBody>
+      </p:sp>
+      <p:sp>
+        <p:nvSpPr>
+          <p:cNvPr id="4" name="Espaço Reservado para Rodapé 3"/>
+          <p:cNvSpPr>
+            <a:spLocks noGrp="1"/>
+          </p:cNvSpPr>
+          <p:nvPr>
+            <p:ph type="ftr" sz="quarter" idx="11"/>
+          </p:nvPr>
+        </p:nvSpPr>
+        <p:spPr>
+          <a:xfrm>
+            <a:off x="-200015" y="6442570"/>
+            <a:ext cx="4822804" cy="365125"/>
+          </a:xfrm>
+        </p:spPr>
+        <p:txBody>
+          <a:bodyPr/>
+          <a:lstStyle/>
+          <a:p>
+            <a:r>
+              <a:rPr lang="pt-PT" dirty="0" smtClean="0"/>
+              <a:t>Laboratórios de Informática IV, ARIT-MAT</a:t>
+            </a:r>
+            <a:endParaRPr lang="pt-PT" dirty="0"/>
+          </a:p>
+        </p:txBody>
+      </p:sp>
+      <p:sp>
+        <p:nvSpPr>
+          <p:cNvPr id="5" name="Espaço Reservado para Número de Slide 4"/>
+          <p:cNvSpPr>
+            <a:spLocks noGrp="1"/>
+          </p:cNvSpPr>
+          <p:nvPr>
+            <p:ph type="sldNum" sz="quarter" idx="12"/>
+          </p:nvPr>
+        </p:nvSpPr>
+        <p:spPr/>
+        <p:txBody>
+          <a:bodyPr/>
+          <a:lstStyle/>
+          <a:p>
+            <a:fld id="{F5E7B6B6-7C4F-429D-94CF-F2CBE512B1EE}" type="slidenum">
+              <a:rPr lang="pt-PT" smtClean="0"/>
+              <a:t>6</a:t>
+            </a:fld>
+            <a:endParaRPr lang="pt-PT"/>
+          </a:p>
+        </p:txBody>
+      </p:sp>
+      <p:sp>
+        <p:nvSpPr>
+          <p:cNvPr id="6" name="Seta para a esquerda 5"/>
+          <p:cNvSpPr/>
+          <p:nvPr/>
+        </p:nvSpPr>
+        <p:spPr>
+          <a:xfrm>
+            <a:off x="3698864" y="2326359"/>
+            <a:ext cx="514350" cy="171450"/>
+          </a:xfrm>
+          <a:prstGeom prst="leftArrow">
+            <a:avLst/>
+          </a:prstGeom>
+        </p:spPr>
+        <p:style>
+          <a:lnRef idx="2">
+            <a:schemeClr val="accent1">
+              <a:shade val="50000"/>
+            </a:schemeClr>
+          </a:lnRef>
+          <a:fillRef idx="1">
+            <a:schemeClr val="accent1"/>
+          </a:fillRef>
+          <a:effectRef idx="0">
+            <a:schemeClr val="accent1"/>
+          </a:effectRef>
+          <a:fontRef idx="minor">
+            <a:schemeClr val="lt1"/>
+          </a:fontRef>
+        </p:style>
+        <p:txBody>
+          <a:bodyPr rtlCol="0" anchor="ctr"/>
+          <a:lstStyle/>
+          <a:p>
+            <a:pPr algn="ctr"/>
+            <a:endParaRPr lang="pt-PT"/>
+          </a:p>
+        </p:txBody>
+      </p:sp>
+      <p:sp>
+        <p:nvSpPr>
+          <p:cNvPr id="7" name="Seta para a esquerda 6"/>
+          <p:cNvSpPr/>
+          <p:nvPr/>
+        </p:nvSpPr>
+        <p:spPr>
+          <a:xfrm>
+            <a:off x="2698739" y="2698822"/>
+            <a:ext cx="514350" cy="171450"/>
+          </a:xfrm>
+          <a:prstGeom prst="leftArrow">
+            <a:avLst/>
+          </a:prstGeom>
+        </p:spPr>
+        <p:style>
+          <a:lnRef idx="2">
+            <a:schemeClr val="accent1">
+              <a:shade val="50000"/>
+            </a:schemeClr>
+          </a:lnRef>
+          <a:fillRef idx="1">
+            <a:schemeClr val="accent1"/>
+          </a:fillRef>
+          <a:effectRef idx="0">
+            <a:schemeClr val="accent1"/>
+          </a:effectRef>
+          <a:fontRef idx="minor">
+            <a:schemeClr val="lt1"/>
+          </a:fontRef>
+        </p:style>
+        <p:txBody>
+          <a:bodyPr rtlCol="0" anchor="ctr"/>
+          <a:lstStyle/>
+          <a:p>
+            <a:pPr algn="ctr"/>
+            <a:endParaRPr lang="pt-PT"/>
+          </a:p>
+        </p:txBody>
+      </p:sp>
+      <p:sp>
+        <p:nvSpPr>
+          <p:cNvPr id="8" name="Seta para a esquerda 7"/>
+          <p:cNvSpPr/>
+          <p:nvPr/>
+        </p:nvSpPr>
+        <p:spPr>
+          <a:xfrm>
+            <a:off x="4159228" y="3537163"/>
+            <a:ext cx="514350" cy="171450"/>
+          </a:xfrm>
+          <a:prstGeom prst="leftArrow">
+            <a:avLst/>
+          </a:prstGeom>
+        </p:spPr>
+        <p:style>
+          <a:lnRef idx="2">
+            <a:schemeClr val="accent1">
+              <a:shade val="50000"/>
+            </a:schemeClr>
+          </a:lnRef>
+          <a:fillRef idx="1">
+            <a:schemeClr val="accent1"/>
+          </a:fillRef>
+          <a:effectRef idx="0">
+            <a:schemeClr val="accent1"/>
+          </a:effectRef>
+          <a:fontRef idx="minor">
+            <a:schemeClr val="lt1"/>
+          </a:fontRef>
+        </p:style>
+        <p:txBody>
+          <a:bodyPr rtlCol="0" anchor="ctr"/>
+          <a:lstStyle/>
+          <a:p>
+            <a:pPr algn="ctr"/>
+            <a:endParaRPr lang="pt-PT"/>
+          </a:p>
+        </p:txBody>
+      </p:sp>
+      <p:sp>
+        <p:nvSpPr>
+          <p:cNvPr id="9" name="Seta para a esquerda 8"/>
+          <p:cNvSpPr/>
+          <p:nvPr/>
+        </p:nvSpPr>
+        <p:spPr>
+          <a:xfrm>
+            <a:off x="3238467" y="5537413"/>
+            <a:ext cx="514350" cy="171450"/>
+          </a:xfrm>
+          <a:prstGeom prst="leftArrow">
+            <a:avLst/>
+          </a:prstGeom>
+        </p:spPr>
+        <p:style>
+          <a:lnRef idx="2">
+            <a:schemeClr val="accent1">
+              <a:shade val="50000"/>
+            </a:schemeClr>
+          </a:lnRef>
+          <a:fillRef idx="1">
+            <a:schemeClr val="accent1"/>
+          </a:fillRef>
+          <a:effectRef idx="0">
+            <a:schemeClr val="accent1"/>
+          </a:effectRef>
+          <a:fontRef idx="minor">
+            <a:schemeClr val="lt1"/>
+          </a:fontRef>
+        </p:style>
+        <p:txBody>
+          <a:bodyPr rtlCol="0" anchor="ctr"/>
+          <a:lstStyle/>
+          <a:p>
+            <a:pPr algn="ctr"/>
+            <a:endParaRPr lang="pt-PT"/>
+          </a:p>
+        </p:txBody>
+      </p:sp>
+    </p:spTree>
+    <p:extLst>
+      <p:ext uri="{BB962C8B-B14F-4D97-AF65-F5344CB8AC3E}">
+        <p14:creationId xmlns:p14="http://schemas.microsoft.com/office/powerpoint/2010/main" val="270195227"/>
+      </p:ext>
+    </p:extLst>
+  </p:cSld>
+  <p:clrMapOvr>
+    <a:masterClrMapping/>
+  </p:clrMapOvr>
+  <p:timing>
+    <p:tnLst>
+      <p:par>
+        <p:cTn id="1" dur="indefinite" restart="never" nodeType="tmRoot"/>
+      </p:par>
+    </p:tnLst>
+  </p:timing>
+</p:sld>
+</file>
+
+<file path=ppt/slides/slide7.xml><?xml version="1.0" encoding="utf-8"?>
+<p:sld xmlns:a="http://schemas.openxmlformats.org/drawingml/2006/main" xmlns:r="http://schemas.openxmlformats.org/officeDocument/2006/relationships" xmlns:p="http://schemas.openxmlformats.org/presentationml/2006/main">
+  <p:cSld>
+    <p:spTree>
+      <p:nvGrpSpPr>
+        <p:cNvPr id="1" name=""/>
+        <p:cNvGrpSpPr/>
+        <p:nvPr/>
+      </p:nvGrpSpPr>
+      <p:grpSpPr>
+        <a:xfrm>
+          <a:off x="0" y="0"/>
+          <a:ext cx="0" cy="0"/>
+          <a:chOff x="0" y="0"/>
+          <a:chExt cx="0" cy="0"/>
+        </a:xfrm>
+      </p:grpSpPr>
+      <p:sp>
+        <p:nvSpPr>
+          <p:cNvPr id="2" name="Título 1"/>
+          <p:cNvSpPr>
+            <a:spLocks noGrp="1"/>
+          </p:cNvSpPr>
+          <p:nvPr>
+            <p:ph type="title"/>
+          </p:nvPr>
+        </p:nvSpPr>
+        <p:spPr>
+          <a:xfrm>
+            <a:off x="1097280" y="58990"/>
+            <a:ext cx="10058400" cy="1223145"/>
+          </a:xfrm>
+        </p:spPr>
+        <p:txBody>
+          <a:bodyPr/>
+          <a:lstStyle/>
+          <a:p>
+            <a:r>
+              <a:rPr lang="pt-PT" dirty="0" smtClean="0"/>
+              <a:t>Modelo de Domínio</a:t>
+            </a:r>
+            <a:endParaRPr lang="pt-PT" dirty="0"/>
+          </a:p>
+        </p:txBody>
+      </p:sp>
+      <p:sp>
+        <p:nvSpPr>
+          <p:cNvPr id="4" name="Espaço Reservado para Rodapé 3"/>
+          <p:cNvSpPr>
+            <a:spLocks noGrp="1"/>
+          </p:cNvSpPr>
+          <p:nvPr>
+            <p:ph type="ftr" sz="quarter" idx="11"/>
+          </p:nvPr>
+        </p:nvSpPr>
+        <p:spPr>
+          <a:xfrm>
+            <a:off x="-200015" y="6442570"/>
+            <a:ext cx="4822804" cy="365125"/>
+          </a:xfrm>
+        </p:spPr>
+        <p:txBody>
+          <a:bodyPr/>
+          <a:lstStyle/>
+          <a:p>
+            <a:r>
+              <a:rPr lang="pt-PT" dirty="0" smtClean="0"/>
+              <a:t>Laboratórios de Informática IV, ARIT-MAT</a:t>
+            </a:r>
+            <a:endParaRPr lang="pt-PT" dirty="0"/>
+          </a:p>
+        </p:txBody>
+      </p:sp>
+      <p:sp>
+        <p:nvSpPr>
+          <p:cNvPr id="5" name="Espaço Reservado para Número de Slide 4"/>
+          <p:cNvSpPr>
+            <a:spLocks noGrp="1"/>
+          </p:cNvSpPr>
+          <p:nvPr>
+            <p:ph type="sldNum" sz="quarter" idx="12"/>
+          </p:nvPr>
+        </p:nvSpPr>
+        <p:spPr/>
+        <p:txBody>
+          <a:bodyPr/>
+          <a:lstStyle/>
+          <a:p>
+            <a:fld id="{F5E7B6B6-7C4F-429D-94CF-F2CBE512B1EE}" type="slidenum">
+              <a:rPr lang="pt-PT" smtClean="0"/>
+              <a:t>7</a:t>
+            </a:fld>
+            <a:endParaRPr lang="pt-PT"/>
+          </a:p>
+        </p:txBody>
+      </p:sp>
+      <p:pic>
+        <p:nvPicPr>
+          <p:cNvPr id="11" name="Imagem 10"/>
+          <p:cNvPicPr/>
+          <p:nvPr/>
+        </p:nvPicPr>
+        <p:blipFill>
+          <a:blip r:embed="rId3">
+            <a:extLst>
+              <a:ext uri="{28A0092B-C50C-407E-A947-70E740481C1C}">
+                <a14:useLocalDpi xmlns:a14="http://schemas.microsoft.com/office/drawing/2010/main" val="0"/>
+              </a:ext>
+            </a:extLst>
+          </a:blip>
+          <a:stretch>
+            <a:fillRect/>
+          </a:stretch>
+        </p:blipFill>
+        <p:spPr bwMode="auto">
+          <a:xfrm>
+            <a:off x="1097280" y="1282135"/>
+            <a:ext cx="10058400" cy="4722425"/>
+          </a:xfrm>
+          <a:prstGeom prst="rect">
+            <a:avLst/>
+          </a:prstGeom>
+          <a:noFill/>
+          <a:ln>
+            <a:noFill/>
+          </a:ln>
+        </p:spPr>
+      </p:pic>
+    </p:spTree>
+    <p:extLst>
+      <p:ext uri="{BB962C8B-B14F-4D97-AF65-F5344CB8AC3E}">
+        <p14:creationId xmlns:p14="http://schemas.microsoft.com/office/powerpoint/2010/main" val="1013412308"/>
+      </p:ext>
+    </p:extLst>
+  </p:cSld>
+  <p:clrMapOvr>
+    <a:masterClrMapping/>
+  </p:clrMapOvr>
+  <p:timing>
+    <p:tnLst>
+      <p:par>
+        <p:cTn id="1" dur="indefinite" restart="never" nodeType="tmRoot"/>
+      </p:par>
+    </p:tnLst>
+  </p:timing>
+</p:sld>
+</file>
+
+<file path=ppt/slides/slide8.xml><?xml version="1.0" encoding="utf-8"?>
+<p:sld xmlns:a="http://schemas.openxmlformats.org/drawingml/2006/main" xmlns:r="http://schemas.openxmlformats.org/officeDocument/2006/relationships" xmlns:p="http://schemas.openxmlformats.org/presentationml/2006/main">
+  <p:cSld>
+    <p:spTree>
+      <p:nvGrpSpPr>
+        <p:cNvPr id="1" name=""/>
+        <p:cNvGrpSpPr/>
+        <p:nvPr/>
+      </p:nvGrpSpPr>
+      <p:grpSpPr>
+        <a:xfrm>
+          <a:off x="0" y="0"/>
+          <a:ext cx="0" cy="0"/>
+          <a:chOff x="0" y="0"/>
+          <a:chExt cx="0" cy="0"/>
+        </a:xfrm>
+      </p:grpSpPr>
+      <p:sp>
+        <p:nvSpPr>
+          <p:cNvPr id="2" name="Título 1"/>
+          <p:cNvSpPr>
+            <a:spLocks noGrp="1"/>
+          </p:cNvSpPr>
+          <p:nvPr>
+            <p:ph type="title"/>
+          </p:nvPr>
+        </p:nvSpPr>
+        <p:spPr>
+          <a:xfrm>
+            <a:off x="1097280" y="58990"/>
+            <a:ext cx="10058400" cy="1223145"/>
+          </a:xfrm>
+        </p:spPr>
+        <p:txBody>
+          <a:bodyPr/>
+          <a:lstStyle/>
+          <a:p>
+            <a:r>
+              <a:rPr lang="pt-PT" dirty="0" smtClean="0"/>
+              <a:t>Casos de Uso - Diagramas</a:t>
+            </a:r>
+            <a:endParaRPr lang="pt-PT" dirty="0"/>
+          </a:p>
+        </p:txBody>
+      </p:sp>
+      <p:sp>
+        <p:nvSpPr>
+          <p:cNvPr id="4" name="Espaço Reservado para Rodapé 3"/>
+          <p:cNvSpPr>
+            <a:spLocks noGrp="1"/>
+          </p:cNvSpPr>
+          <p:nvPr>
+            <p:ph type="ftr" sz="quarter" idx="11"/>
+          </p:nvPr>
+        </p:nvSpPr>
+        <p:spPr>
+          <a:xfrm>
+            <a:off x="-200015" y="6442570"/>
+            <a:ext cx="4822804" cy="365125"/>
+          </a:xfrm>
+        </p:spPr>
+        <p:txBody>
+          <a:bodyPr/>
+          <a:lstStyle/>
+          <a:p>
+            <a:r>
+              <a:rPr lang="pt-PT" dirty="0" smtClean="0"/>
+              <a:t>Laboratórios de Informática IV, ARIT-MAT</a:t>
+            </a:r>
+            <a:endParaRPr lang="pt-PT" dirty="0"/>
+          </a:p>
+        </p:txBody>
+      </p:sp>
+      <p:sp>
+        <p:nvSpPr>
+          <p:cNvPr id="5" name="Espaço Reservado para Número de Slide 4"/>
+          <p:cNvSpPr>
+            <a:spLocks noGrp="1"/>
+          </p:cNvSpPr>
+          <p:nvPr>
+            <p:ph type="sldNum" sz="quarter" idx="12"/>
+          </p:nvPr>
+        </p:nvSpPr>
+        <p:spPr/>
+        <p:txBody>
+          <a:bodyPr/>
+          <a:lstStyle/>
+          <a:p>
+            <a:fld id="{F5E7B6B6-7C4F-429D-94CF-F2CBE512B1EE}" type="slidenum">
+              <a:rPr lang="pt-PT" smtClean="0"/>
+              <a:t>8</a:t>
+            </a:fld>
+            <a:endParaRPr lang="pt-PT"/>
+          </a:p>
+        </p:txBody>
+      </p:sp>
+      <p:pic>
+        <p:nvPicPr>
+          <p:cNvPr id="6" name="Imagem 5"/>
+          <p:cNvPicPr/>
+          <p:nvPr/>
+        </p:nvPicPr>
+        <p:blipFill>
+          <a:blip r:embed="rId3">
+            <a:extLst>
+              <a:ext uri="{28A0092B-C50C-407E-A947-70E740481C1C}">
+                <a14:useLocalDpi xmlns:a14="http://schemas.microsoft.com/office/drawing/2010/main" val="0"/>
+              </a:ext>
+            </a:extLst>
+          </a:blip>
+          <a:srcRect/>
+          <a:stretch>
+            <a:fillRect/>
+          </a:stretch>
+        </p:blipFill>
+        <p:spPr bwMode="auto">
+          <a:xfrm>
+            <a:off x="1635125" y="1882775"/>
+            <a:ext cx="3606800" cy="3035300"/>
+          </a:xfrm>
+          <a:prstGeom prst="rect">
+            <a:avLst/>
+          </a:prstGeom>
+          <a:noFill/>
+          <a:ln>
+            <a:noFill/>
+          </a:ln>
+        </p:spPr>
+      </p:pic>
+      <p:pic>
+        <p:nvPicPr>
+          <p:cNvPr id="7" name="Imagem 6"/>
+          <p:cNvPicPr/>
+          <p:nvPr/>
+        </p:nvPicPr>
+        <p:blipFill>
+          <a:blip r:embed="rId4">
+            <a:extLst>
+              <a:ext uri="{28A0092B-C50C-407E-A947-70E740481C1C}">
+                <a14:useLocalDpi xmlns:a14="http://schemas.microsoft.com/office/drawing/2010/main" val="0"/>
+              </a:ext>
+            </a:extLst>
+          </a:blip>
+          <a:srcRect/>
+          <a:stretch>
+            <a:fillRect/>
+          </a:stretch>
+        </p:blipFill>
+        <p:spPr bwMode="auto">
+          <a:xfrm>
+            <a:off x="6301970" y="1882775"/>
+            <a:ext cx="4152900" cy="3009900"/>
+          </a:xfrm>
+          <a:prstGeom prst="rect">
+            <a:avLst/>
+          </a:prstGeom>
+          <a:noFill/>
+          <a:ln>
+            <a:noFill/>
+          </a:ln>
+        </p:spPr>
+      </p:pic>
+      <p:sp>
+        <p:nvSpPr>
+          <p:cNvPr id="3" name="CaixaDeTexto 2"/>
+          <p:cNvSpPr txBox="1"/>
+          <p:nvPr/>
+        </p:nvSpPr>
+        <p:spPr>
+          <a:xfrm>
+            <a:off x="1689100" y="4892675"/>
+            <a:ext cx="3492500" cy="338554"/>
+          </a:xfrm>
+          <a:prstGeom prst="rect">
+            <a:avLst/>
+          </a:prstGeom>
+          <a:noFill/>
+        </p:spPr>
+        <p:txBody>
+          <a:bodyPr wrap="square" rtlCol="0">
+            <a:spAutoFit/>
+          </a:bodyPr>
+          <a:lstStyle/>
+          <a:p>
+            <a:r>
+              <a:rPr lang="pt-PT" sz="1600" dirty="0" smtClean="0"/>
+              <a:t>Diagrama “Geral”</a:t>
+            </a:r>
+            <a:endParaRPr lang="pt-PT" sz="1600" dirty="0"/>
+          </a:p>
+        </p:txBody>
+      </p:sp>
+      <p:sp>
+        <p:nvSpPr>
+          <p:cNvPr id="9" name="CaixaDeTexto 8"/>
+          <p:cNvSpPr txBox="1"/>
+          <p:nvPr/>
+        </p:nvSpPr>
+        <p:spPr>
+          <a:xfrm>
+            <a:off x="7472680" y="4892675"/>
+            <a:ext cx="3492500" cy="338554"/>
+          </a:xfrm>
+          <a:prstGeom prst="rect">
+            <a:avLst/>
+          </a:prstGeom>
+          <a:noFill/>
+        </p:spPr>
+        <p:txBody>
+          <a:bodyPr wrap="square" rtlCol="0">
+            <a:spAutoFit/>
+          </a:bodyPr>
+          <a:lstStyle/>
+          <a:p>
+            <a:r>
+              <a:rPr lang="pt-PT" sz="1600" dirty="0" smtClean="0"/>
+              <a:t>Diagrama de Aprendizagem</a:t>
+            </a:r>
+            <a:endParaRPr lang="pt-PT" sz="1600" dirty="0"/>
+          </a:p>
+        </p:txBody>
+      </p:sp>
+    </p:spTree>
+    <p:extLst>
+      <p:ext uri="{BB962C8B-B14F-4D97-AF65-F5344CB8AC3E}">
+        <p14:creationId xmlns:p14="http://schemas.microsoft.com/office/powerpoint/2010/main" val="626844573"/>
+      </p:ext>
+    </p:extLst>
+  </p:cSld>
+  <p:clrMapOvr>
+    <a:masterClrMapping/>
+  </p:clrMapOvr>
+  <p:timing>
+    <p:tnLst>
+      <p:par>
+        <p:cTn id="1" dur="indefinite" restart="never" nodeType="tmRoot"/>
+      </p:par>
+    </p:tnLst>
+  </p:timing>
+</p:sld>
+</file>
+
+<file path=ppt/slides/slide9.xml><?xml version="1.0" encoding="utf-8"?>
+<p:sld xmlns:a="http://schemas.openxmlformats.org/drawingml/2006/main" xmlns:r="http://schemas.openxmlformats.org/officeDocument/2006/relationships" xmlns:p="http://schemas.openxmlformats.org/presentationml/2006/main">
+  <p:cSld>
+    <p:spTree>
+      <p:nvGrpSpPr>
+        <p:cNvPr id="1" name=""/>
+        <p:cNvGrpSpPr/>
+        <p:nvPr/>
+      </p:nvGrpSpPr>
+      <p:grpSpPr>
+        <a:xfrm>
+          <a:off x="0" y="0"/>
+          <a:ext cx="0" cy="0"/>
+          <a:chOff x="0" y="0"/>
+          <a:chExt cx="0" cy="0"/>
+        </a:xfrm>
+      </p:grpSpPr>
+      <p:sp>
+        <p:nvSpPr>
+          <p:cNvPr id="2" name="Título 1"/>
+          <p:cNvSpPr>
+            <a:spLocks noGrp="1"/>
+          </p:cNvSpPr>
+          <p:nvPr>
+            <p:ph type="title"/>
+          </p:nvPr>
+        </p:nvSpPr>
+        <p:spPr/>
+        <p:txBody>
+          <a:bodyPr/>
+          <a:lstStyle/>
+          <a:p>
+            <a:r>
+              <a:rPr lang="pt-PT" dirty="0" smtClean="0"/>
+              <a:t>Caso de Uso – Realizar Exercício</a:t>
+            </a:r>
+            <a:endParaRPr lang="pt-PT" dirty="0"/>
+          </a:p>
+        </p:txBody>
+      </p:sp>
+      <p:sp>
+        <p:nvSpPr>
+          <p:cNvPr id="3" name="Espaço Reservado para Conteúdo 2"/>
+          <p:cNvSpPr>
+            <a:spLocks noGrp="1"/>
+          </p:cNvSpPr>
+          <p:nvPr>
+            <p:ph idx="1"/>
+          </p:nvPr>
+        </p:nvSpPr>
+        <p:spPr/>
+        <p:txBody>
+          <a:bodyPr>
+            <a:normAutofit/>
+          </a:bodyPr>
+          <a:lstStyle/>
+          <a:p>
+            <a:pPr marL="342900" lvl="1" indent="-342900">
+              <a:spcBef>
+                <a:spcPts val="1200"/>
+              </a:spcBef>
+              <a:spcAft>
+                <a:spcPts val="200"/>
+              </a:spcAft>
+              <a:buSzPct val="100000"/>
+              <a:buFont typeface="Arial" panose="020B0604020202020204" pitchFamily="34" charset="0"/>
+              <a:buChar char="•"/>
+            </a:pPr>
+            <a:endParaRPr lang="pt-PT" sz="2400" dirty="0" smtClean="0"/>
+          </a:p>
+          <a:p>
+            <a:endParaRPr lang="pt-PT" dirty="0" smtClean="0"/>
+          </a:p>
+          <a:p>
+            <a:endParaRPr lang="pt-PT" dirty="0"/>
+          </a:p>
+        </p:txBody>
+      </p:sp>
+      <p:sp>
+        <p:nvSpPr>
+          <p:cNvPr id="4" name="Espaço Reservado para Rodapé 3"/>
+          <p:cNvSpPr>
+            <a:spLocks noGrp="1"/>
+          </p:cNvSpPr>
+          <p:nvPr>
+            <p:ph type="ftr" sz="quarter" idx="11"/>
+          </p:nvPr>
+        </p:nvSpPr>
+        <p:spPr>
+          <a:xfrm>
+            <a:off x="-200015" y="6442570"/>
+            <a:ext cx="4822804" cy="365125"/>
+          </a:xfrm>
+        </p:spPr>
+        <p:txBody>
+          <a:bodyPr/>
+          <a:lstStyle/>
+          <a:p>
+            <a:r>
+              <a:rPr lang="pt-PT" dirty="0" smtClean="0"/>
+              <a:t>Laboratórios de Informática IV, ARIT-MAT</a:t>
+            </a:r>
+            <a:endParaRPr lang="pt-PT" dirty="0"/>
+          </a:p>
+        </p:txBody>
+      </p:sp>
+      <p:sp>
+        <p:nvSpPr>
+          <p:cNvPr id="5" name="Espaço Reservado para Número de Slide 4"/>
+          <p:cNvSpPr>
+            <a:spLocks noGrp="1"/>
+          </p:cNvSpPr>
+          <p:nvPr>
+            <p:ph type="sldNum" sz="quarter" idx="12"/>
+          </p:nvPr>
+        </p:nvSpPr>
+        <p:spPr/>
+        <p:txBody>
+          <a:bodyPr/>
+          <a:lstStyle/>
+          <a:p>
+            <a:fld id="{F5E7B6B6-7C4F-429D-94CF-F2CBE512B1EE}" type="slidenum">
+              <a:rPr lang="pt-PT" smtClean="0"/>
+              <a:t>9</a:t>
+            </a:fld>
+            <a:endParaRPr lang="pt-PT"/>
+          </a:p>
+        </p:txBody>
+      </p:sp>
+      <p:pic>
+        <p:nvPicPr>
+          <p:cNvPr id="7" name="Imagem 6" descr="Realizar%20exercicio.pdf"/>
+          <p:cNvPicPr/>
+          <p:nvPr/>
+        </p:nvPicPr>
+        <p:blipFill rotWithShape="1">
+          <a:blip r:embed="rId3">
+            <a:extLst>
+              <a:ext uri="{28A0092B-C50C-407E-A947-70E740481C1C}">
+                <a14:useLocalDpi xmlns:a14="http://schemas.microsoft.com/office/drawing/2010/main" val="0"/>
+              </a:ext>
+            </a:extLst>
+          </a:blip>
+          <a:srcRect b="53040"/>
+          <a:stretch/>
+        </p:blipFill>
+        <p:spPr bwMode="auto">
+          <a:xfrm>
+            <a:off x="928052" y="1737360"/>
+            <a:ext cx="4716145" cy="3821959"/>
+          </a:xfrm>
+          <a:prstGeom prst="rect">
+            <a:avLst/>
+          </a:prstGeom>
+          <a:noFill/>
+          <a:ln>
+            <a:noFill/>
+          </a:ln>
+        </p:spPr>
+      </p:pic>
+      <p:pic>
+        <p:nvPicPr>
+          <p:cNvPr id="8" name="Imagem 7" descr="Realizar%20exercicio.pdf"/>
+          <p:cNvPicPr/>
+          <p:nvPr/>
+        </p:nvPicPr>
+        <p:blipFill rotWithShape="1">
+          <a:blip r:embed="rId3">
+            <a:extLst>
+              <a:ext uri="{28A0092B-C50C-407E-A947-70E740481C1C}">
+                <a14:useLocalDpi xmlns:a14="http://schemas.microsoft.com/office/drawing/2010/main" val="0"/>
+              </a:ext>
+            </a:extLst>
+          </a:blip>
+          <a:srcRect t="46648" b="1"/>
+          <a:stretch/>
+        </p:blipFill>
+        <p:spPr bwMode="auto">
+          <a:xfrm>
+            <a:off x="5840325" y="1927508"/>
+            <a:ext cx="4716145" cy="4342130"/>
+          </a:xfrm>
+          <a:prstGeom prst="rect">
+            <a:avLst/>
+          </a:prstGeom>
+          <a:noFill/>
+          <a:ln>
+            <a:noFill/>
+          </a:ln>
+        </p:spPr>
+      </p:pic>
+    </p:spTree>
+    <p:extLst>
+      <p:ext uri="{BB962C8B-B14F-4D97-AF65-F5344CB8AC3E}">
+        <p14:creationId xmlns:p14="http://schemas.microsoft.com/office/powerpoint/2010/main" val="1713200324"/>
       </p:ext>
     </p:extLst>
   </p:cSld>

--- a/Apresentação/ARIT-MAT-Fase-2.pptx
+++ b/Apresentação/ARIT-MAT-Fase-2.pptx
@@ -210,7 +210,7 @@
           <a:p>
             <a:fld id="{0B90278E-799F-4B6A-A9E6-A20EE15BC085}" type="datetimeFigureOut">
               <a:rPr lang="pt-PT" smtClean="0"/>
-              <a:t>04/05/2015</a:t>
+              <a:t>05/05/15</a:t>
             </a:fld>
             <a:endParaRPr lang="pt-PT"/>
           </a:p>
@@ -369,7 +369,7 @@
           <a:p>
             <a:fld id="{B1A75EE4-BF34-4748-90F2-2EA9573BBF4F}" type="slidenum">
               <a:rPr lang="pt-PT" smtClean="0"/>
-              <a:t>‹nº›</a:t>
+              <a:t>‹n.º›</a:t>
             </a:fld>
             <a:endParaRPr lang="pt-PT"/>
           </a:p>
@@ -1383,7 +1383,6 @@
               <a:rPr lang="pt-PT" baseline="0" dirty="0" smtClean="0"/>
               <a:t>Finalmente em termos de dados foi construído o modelo concetual e lógico, apenas falaremos do lógico.</a:t>
             </a:r>
-            <a:endParaRPr lang="pt-PT" baseline="0" dirty="0" smtClean="0"/>
           </a:p>
         </p:txBody>
       </p:sp>
@@ -1581,7 +1580,6 @@
               <a:rPr lang="pt-PT" baseline="0" dirty="0" smtClean="0"/>
               <a:t>É importante que se explique, que se decidiu que uma lição real com o objetivo de ensinar determinado assunto, é representada no sistema por várias lições/sessões, mais à frente no modelo lógico abordaremos e explicaremos melhor esta questão.</a:t>
             </a:r>
-            <a:endParaRPr lang="pt-PT" baseline="0" dirty="0" smtClean="0"/>
           </a:p>
         </p:txBody>
       </p:sp>
@@ -1669,7 +1667,6 @@
               <a:rPr lang="pt-PT" baseline="0" dirty="0" smtClean="0"/>
               <a:t>Aqui é apresentada a especificação do caso de uso de realizar exercício, o comportamento normal será então o aluno realizar um exercício corretamente, como se pode observar existe uma exceção quando já não existem exercícios disponíveis, e ainda 4 comportamentos alternativos que correspondem ao pedido de dica num exercício, e as últimas 3 a errar o exercício, sendo que, dada a implementação do modelo de ensino errar o exercício origina 3 alternativas. Consoante o número de respostas erradas naquele tipo de exercícios é estabelecido um “caminho”. Por exemplo, quando o número de respostas erradas é superior a um máximo (estabelecido por 50% dos exercícios deste tipo) é recomendado ao aluno regressar à lição anterior.</a:t>
             </a:r>
-            <a:endParaRPr lang="pt-PT" baseline="0" dirty="0" smtClean="0"/>
           </a:p>
         </p:txBody>
       </p:sp>
@@ -2031,7 +2028,7 @@
           <a:p>
             <a:fld id="{D7E719D6-CD3B-4527-83F8-F2BE83785134}" type="datetime1">
               <a:rPr lang="pt-PT" smtClean="0"/>
-              <a:t>04/05/2015</a:t>
+              <a:t>05/05/15</a:t>
             </a:fld>
             <a:endParaRPr lang="pt-PT"/>
           </a:p>
@@ -2077,7 +2074,7 @@
           <a:p>
             <a:fld id="{F5E7B6B6-7C4F-429D-94CF-F2CBE512B1EE}" type="slidenum">
               <a:rPr lang="pt-PT" smtClean="0"/>
-              <a:t>‹nº›</a:t>
+              <a:t>‹n.º›</a:t>
             </a:fld>
             <a:endParaRPr lang="pt-PT"/>
           </a:p>
@@ -2243,7 +2240,7 @@
           <a:p>
             <a:fld id="{F1BF6B55-0FCD-425C-A105-B7D8849183EB}" type="datetime1">
               <a:rPr lang="pt-PT" smtClean="0"/>
-              <a:t>04/05/2015</a:t>
+              <a:t>05/05/15</a:t>
             </a:fld>
             <a:endParaRPr lang="pt-PT"/>
           </a:p>
@@ -2289,7 +2286,7 @@
           <a:p>
             <a:fld id="{F5E7B6B6-7C4F-429D-94CF-F2CBE512B1EE}" type="slidenum">
               <a:rPr lang="pt-PT" smtClean="0"/>
-              <a:t>‹nº›</a:t>
+              <a:t>‹n.º›</a:t>
             </a:fld>
             <a:endParaRPr lang="pt-PT"/>
           </a:p>
@@ -2503,7 +2500,7 @@
           <a:p>
             <a:fld id="{0AB8FFC0-3479-459D-B28A-846B7A24A85D}" type="datetime1">
               <a:rPr lang="pt-PT" smtClean="0"/>
-              <a:t>04/05/2015</a:t>
+              <a:t>05/05/15</a:t>
             </a:fld>
             <a:endParaRPr lang="pt-PT"/>
           </a:p>
@@ -2549,7 +2546,7 @@
           <a:p>
             <a:fld id="{F5E7B6B6-7C4F-429D-94CF-F2CBE512B1EE}" type="slidenum">
               <a:rPr lang="pt-PT" smtClean="0"/>
-              <a:t>‹nº›</a:t>
+              <a:t>‹n.º›</a:t>
             </a:fld>
             <a:endParaRPr lang="pt-PT"/>
           </a:p>
@@ -2681,7 +2678,7 @@
           <a:p>
             <a:fld id="{0B072AEF-6281-4E43-87FC-E090F028272C}" type="datetime1">
               <a:rPr lang="pt-PT" smtClean="0"/>
-              <a:t>04/05/2015</a:t>
+              <a:t>05/05/15</a:t>
             </a:fld>
             <a:endParaRPr lang="pt-PT"/>
           </a:p>
@@ -2727,7 +2724,7 @@
           <a:p>
             <a:fld id="{F5E7B6B6-7C4F-429D-94CF-F2CBE512B1EE}" type="slidenum">
               <a:rPr lang="pt-PT" smtClean="0"/>
-              <a:t>‹nº›</a:t>
+              <a:t>‹n.º›</a:t>
             </a:fld>
             <a:endParaRPr lang="pt-PT"/>
           </a:p>
@@ -3028,7 +3025,7 @@
           <a:p>
             <a:fld id="{29E883B4-C76B-41AC-BDA7-343A411F3379}" type="datetime1">
               <a:rPr lang="pt-PT" smtClean="0"/>
-              <a:t>04/05/2015</a:t>
+              <a:t>05/05/15</a:t>
             </a:fld>
             <a:endParaRPr lang="pt-PT"/>
           </a:p>
@@ -3074,7 +3071,7 @@
           <a:p>
             <a:fld id="{F5E7B6B6-7C4F-429D-94CF-F2CBE512B1EE}" type="slidenum">
               <a:rPr lang="pt-PT" smtClean="0"/>
-              <a:t>‹nº›</a:t>
+              <a:t>‹n.º›</a:t>
             </a:fld>
             <a:endParaRPr lang="pt-PT"/>
           </a:p>
@@ -3307,7 +3304,7 @@
           <a:p>
             <a:fld id="{E2FE80C8-0479-4612-88A0-EC4A9186158A}" type="datetime1">
               <a:rPr lang="pt-PT" smtClean="0"/>
-              <a:t>04/05/2015</a:t>
+              <a:t>05/05/15</a:t>
             </a:fld>
             <a:endParaRPr lang="pt-PT"/>
           </a:p>
@@ -3353,7 +3350,7 @@
           <a:p>
             <a:fld id="{F5E7B6B6-7C4F-429D-94CF-F2CBE512B1EE}" type="slidenum">
               <a:rPr lang="pt-PT" smtClean="0"/>
-              <a:t>‹nº›</a:t>
+              <a:t>‹n.º›</a:t>
             </a:fld>
             <a:endParaRPr lang="pt-PT"/>
           </a:p>
@@ -3690,7 +3687,7 @@
           <a:p>
             <a:fld id="{81318A52-6191-4BF2-B6FD-9AE6D26BDCA9}" type="datetime1">
               <a:rPr lang="pt-PT" smtClean="0"/>
-              <a:t>04/05/2015</a:t>
+              <a:t>05/05/15</a:t>
             </a:fld>
             <a:endParaRPr lang="pt-PT"/>
           </a:p>
@@ -3736,7 +3733,7 @@
           <a:p>
             <a:fld id="{F5E7B6B6-7C4F-429D-94CF-F2CBE512B1EE}" type="slidenum">
               <a:rPr lang="pt-PT" smtClean="0"/>
-              <a:t>‹nº›</a:t>
+              <a:t>‹n.º›</a:t>
             </a:fld>
             <a:endParaRPr lang="pt-PT"/>
           </a:p>
@@ -3812,7 +3809,7 @@
           <a:p>
             <a:fld id="{CF122FC7-ACAF-4893-97AB-F19D090B17C4}" type="datetime1">
               <a:rPr lang="pt-PT" smtClean="0"/>
-              <a:t>04/05/2015</a:t>
+              <a:t>05/05/15</a:t>
             </a:fld>
             <a:endParaRPr lang="pt-PT"/>
           </a:p>
@@ -3858,7 +3855,7 @@
           <a:p>
             <a:fld id="{F5E7B6B6-7C4F-429D-94CF-F2CBE512B1EE}" type="slidenum">
               <a:rPr lang="pt-PT" smtClean="0"/>
-              <a:t>‹nº›</a:t>
+              <a:t>‹n.º›</a:t>
             </a:fld>
             <a:endParaRPr lang="pt-PT"/>
           </a:p>
@@ -3987,7 +3984,7 @@
           <a:p>
             <a:fld id="{27BCCEB8-B3DC-48A8-84F9-B01C15A16155}" type="datetime1">
               <a:rPr lang="pt-PT" smtClean="0"/>
-              <a:t>04/05/2015</a:t>
+              <a:t>05/05/15</a:t>
             </a:fld>
             <a:endParaRPr lang="pt-PT"/>
           </a:p>
@@ -4041,7 +4038,7 @@
           <a:p>
             <a:fld id="{F5E7B6B6-7C4F-429D-94CF-F2CBE512B1EE}" type="slidenum">
               <a:rPr lang="pt-PT" smtClean="0"/>
-              <a:t>‹nº›</a:t>
+              <a:t>‹n.º›</a:t>
             </a:fld>
             <a:endParaRPr lang="pt-PT"/>
           </a:p>
@@ -4345,7 +4342,7 @@
           <a:p>
             <a:fld id="{15EC2DC2-EB76-46D6-8C3F-A92F7DE3E14F}" type="datetime1">
               <a:rPr lang="pt-PT" smtClean="0"/>
-              <a:t>04/05/2015</a:t>
+              <a:t>05/05/15</a:t>
             </a:fld>
             <a:endParaRPr lang="pt-PT"/>
           </a:p>
@@ -4412,7 +4409,7 @@
           <a:p>
             <a:fld id="{F5E7B6B6-7C4F-429D-94CF-F2CBE512B1EE}" type="slidenum">
               <a:rPr lang="pt-PT" smtClean="0"/>
-              <a:t>‹nº›</a:t>
+              <a:t>‹n.º›</a:t>
             </a:fld>
             <a:endParaRPr lang="pt-PT"/>
           </a:p>
@@ -4731,7 +4728,7 @@
           <a:p>
             <a:fld id="{0479D574-0A17-4206-B4DA-2627B96CEB71}" type="datetime1">
               <a:rPr lang="pt-PT" smtClean="0"/>
-              <a:t>04/05/2015</a:t>
+              <a:t>05/05/15</a:t>
             </a:fld>
             <a:endParaRPr lang="pt-PT"/>
           </a:p>
@@ -4777,7 +4774,7 @@
           <a:p>
             <a:fld id="{F5E7B6B6-7C4F-429D-94CF-F2CBE512B1EE}" type="slidenum">
               <a:rPr lang="pt-PT" smtClean="0"/>
-              <a:t>‹nº›</a:t>
+              <a:t>‹n.º›</a:t>
             </a:fld>
             <a:endParaRPr lang="pt-PT"/>
           </a:p>
@@ -5022,7 +5019,7 @@
           <a:p>
             <a:fld id="{BAEA6BC3-B633-4FA3-AA5D-17804E4DF278}" type="datetime1">
               <a:rPr lang="pt-PT" smtClean="0"/>
-              <a:t>04/05/2015</a:t>
+              <a:t>05/05/15</a:t>
             </a:fld>
             <a:endParaRPr lang="pt-PT"/>
           </a:p>
@@ -5100,7 +5097,7 @@
           <a:p>
             <a:fld id="{F5E7B6B6-7C4F-429D-94CF-F2CBE512B1EE}" type="slidenum">
               <a:rPr lang="pt-PT" smtClean="0"/>
-              <a:t>‹nº›</a:t>
+              <a:t>‹n.º›</a:t>
             </a:fld>
             <a:endParaRPr lang="pt-PT"/>
           </a:p>
@@ -5767,15 +5764,6 @@
                 <a:latin typeface="+mj-lt"/>
               </a:rPr>
             </a:br>
-            <a:r>
-              <a:rPr lang="pt-PT" sz="2000" spc="200" dirty="0" smtClean="0">
-                <a:solidFill>
-                  <a:schemeClr val="tx2"/>
-                </a:solidFill>
-                <a:latin typeface="+mj-lt"/>
-              </a:rPr>
-              <a:t>25 de Março de 2015</a:t>
-            </a:r>
             <a:endParaRPr lang="pt-PT" sz="2000" spc="200" dirty="0">
               <a:solidFill>
                 <a:schemeClr val="tx2"/>
@@ -5990,15 +5978,21 @@
           <p:nvPr/>
         </p:nvPicPr>
         <p:blipFill>
-          <a:blip r:embed="rId4"/>
+          <a:blip r:embed="rId4" cstate="print">
+            <a:extLst>
+              <a:ext uri="{28A0092B-C50C-407E-A947-70E740481C1C}">
+                <a14:useLocalDpi xmlns:a14="http://schemas.microsoft.com/office/drawing/2010/main" val="0"/>
+              </a:ext>
+            </a:extLst>
+          </a:blip>
           <a:stretch>
             <a:fillRect/>
           </a:stretch>
         </p:blipFill>
         <p:spPr>
           <a:xfrm>
-            <a:off x="7637689" y="571387"/>
-            <a:ext cx="3448050" cy="4782820"/>
+            <a:off x="7695999" y="571387"/>
+            <a:ext cx="3331429" cy="4782820"/>
           </a:xfrm>
           <a:prstGeom prst="rect">
             <a:avLst/>
@@ -8199,11 +8193,7 @@
             </a:pPr>
             <a:r>
               <a:rPr lang="pt-PT" sz="2400" dirty="0" smtClean="0"/>
-              <a:t>Associar exercícios a lições e testes, permitir a realização destes aos alunos</a:t>
-            </a:r>
-            <a:r>
-              <a:rPr lang="pt-PT" sz="2400" dirty="0" smtClean="0"/>
-              <a:t>;</a:t>
+              <a:t>Associar exercícios a lições e testes, permitir a realização destes aos alunos;</a:t>
             </a:r>
           </a:p>
           <a:p>
@@ -8222,7 +8212,6 @@
               <a:rPr lang="pt-PT" sz="2400" dirty="0" smtClean="0"/>
               <a:t>…</a:t>
             </a:r>
-            <a:endParaRPr lang="pt-PT" sz="2400" dirty="0" smtClean="0"/>
           </a:p>
           <a:p>
             <a:pPr marL="342900" lvl="1" indent="-342900">

--- a/Apresentação/ARIT-MAT-Fase-2.pptx
+++ b/Apresentação/ARIT-MAT-Fase-2.pptx
@@ -5991,7 +5991,7 @@
         </p:blipFill>
         <p:spPr>
           <a:xfrm>
-            <a:off x="7695999" y="571387"/>
+            <a:off x="7695999" y="580352"/>
             <a:ext cx="3331429" cy="4782820"/>
           </a:xfrm>
           <a:prstGeom prst="rect">
@@ -7183,23 +7183,23 @@
               </a:rPr>
               <a:t>3º Ano</a:t>
             </a:r>
+            <a:r>
+              <a:rPr lang="pt-PT" sz="2000" spc="200" smtClean="0">
+                <a:solidFill>
+                  <a:schemeClr val="tx2"/>
+                </a:solidFill>
+                <a:latin typeface="+mj-lt"/>
+              </a:rPr>
+              <a:t/>
+            </a:r>
             <a:br>
-              <a:rPr lang="pt-PT" sz="2000" spc="200" dirty="0" smtClean="0">
+              <a:rPr lang="pt-PT" sz="2000" spc="200" smtClean="0">
                 <a:solidFill>
                   <a:schemeClr val="tx2"/>
                 </a:solidFill>
                 <a:latin typeface="+mj-lt"/>
               </a:rPr>
             </a:br>
-            <a:r>
-              <a:rPr lang="pt-PT" sz="2000" spc="200" dirty="0" smtClean="0">
-                <a:solidFill>
-                  <a:schemeClr val="tx2"/>
-                </a:solidFill>
-                <a:latin typeface="+mj-lt"/>
-              </a:rPr>
-              <a:t>25 de Março de 2015</a:t>
-            </a:r>
             <a:endParaRPr lang="pt-PT" sz="2000" spc="200" dirty="0">
               <a:solidFill>
                 <a:schemeClr val="tx2"/>
